--- a/yfcc100m/paper/figures/vdms_arch.pptx
+++ b/yfcc100m/paper/figures/vdms_arch.pptx
@@ -6,6 +6,7 @@
   </p:sldMasterIdLst>
   <p:sldIdLst>
     <p:sldId id="1447" r:id="rId2"/>
+    <p:sldId id="1448" r:id="rId3"/>
   </p:sldIdLst>
   <p:sldSz cx="7315200" cy="4572000"/>
   <p:notesSz cx="6858000" cy="9144000"/>
@@ -104,6 +105,11 @@
       </a:defRPr>
     </a:lvl9pPr>
   </p:defaultTextStyle>
+  <p:extLst>
+    <p:ext uri="{EFAFB233-063F-42B5-8137-9DF3F51BA10A}">
+      <p15:sldGuideLst xmlns:p15="http://schemas.microsoft.com/office/powerpoint/2012/main"/>
+    </p:ext>
+  </p:extLst>
 </p:presentation>
 </file>
 
@@ -238,7 +244,7 @@
           <a:p>
             <a:fld id="{D760344E-94CD-944A-AD0E-C122FCE4D184}" type="datetimeFigureOut">
               <a:rPr lang="en-US" smtClean="0"/>
-              <a:t>1/14/20</a:t>
+              <a:t>2/22/21</a:t>
             </a:fld>
             <a:endParaRPr lang="en-US"/>
           </a:p>
@@ -408,7 +414,7 @@
           <a:p>
             <a:fld id="{D760344E-94CD-944A-AD0E-C122FCE4D184}" type="datetimeFigureOut">
               <a:rPr lang="en-US" smtClean="0"/>
-              <a:t>1/14/20</a:t>
+              <a:t>2/22/21</a:t>
             </a:fld>
             <a:endParaRPr lang="en-US"/>
           </a:p>
@@ -588,7 +594,7 @@
           <a:p>
             <a:fld id="{D760344E-94CD-944A-AD0E-C122FCE4D184}" type="datetimeFigureOut">
               <a:rPr lang="en-US" smtClean="0"/>
-              <a:t>1/14/20</a:t>
+              <a:t>2/22/21</a:t>
             </a:fld>
             <a:endParaRPr lang="en-US"/>
           </a:p>
@@ -758,7 +764,7 @@
           <a:p>
             <a:fld id="{D760344E-94CD-944A-AD0E-C122FCE4D184}" type="datetimeFigureOut">
               <a:rPr lang="en-US" smtClean="0"/>
-              <a:t>1/14/20</a:t>
+              <a:t>2/22/21</a:t>
             </a:fld>
             <a:endParaRPr lang="en-US"/>
           </a:p>
@@ -1004,7 +1010,7 @@
           <a:p>
             <a:fld id="{D760344E-94CD-944A-AD0E-C122FCE4D184}" type="datetimeFigureOut">
               <a:rPr lang="en-US" smtClean="0"/>
-              <a:t>1/14/20</a:t>
+              <a:t>2/22/21</a:t>
             </a:fld>
             <a:endParaRPr lang="en-US"/>
           </a:p>
@@ -1236,7 +1242,7 @@
           <a:p>
             <a:fld id="{D760344E-94CD-944A-AD0E-C122FCE4D184}" type="datetimeFigureOut">
               <a:rPr lang="en-US" smtClean="0"/>
-              <a:t>1/14/20</a:t>
+              <a:t>2/22/21</a:t>
             </a:fld>
             <a:endParaRPr lang="en-US"/>
           </a:p>
@@ -1603,7 +1609,7 @@
           <a:p>
             <a:fld id="{D760344E-94CD-944A-AD0E-C122FCE4D184}" type="datetimeFigureOut">
               <a:rPr lang="en-US" smtClean="0"/>
-              <a:t>1/14/20</a:t>
+              <a:t>2/22/21</a:t>
             </a:fld>
             <a:endParaRPr lang="en-US"/>
           </a:p>
@@ -1721,7 +1727,7 @@
           <a:p>
             <a:fld id="{D760344E-94CD-944A-AD0E-C122FCE4D184}" type="datetimeFigureOut">
               <a:rPr lang="en-US" smtClean="0"/>
-              <a:t>1/14/20</a:t>
+              <a:t>2/22/21</a:t>
             </a:fld>
             <a:endParaRPr lang="en-US"/>
           </a:p>
@@ -1816,7 +1822,7 @@
           <a:p>
             <a:fld id="{D760344E-94CD-944A-AD0E-C122FCE4D184}" type="datetimeFigureOut">
               <a:rPr lang="en-US" smtClean="0"/>
-              <a:t>1/14/20</a:t>
+              <a:t>2/22/21</a:t>
             </a:fld>
             <a:endParaRPr lang="en-US"/>
           </a:p>
@@ -2093,7 +2099,7 @@
           <a:p>
             <a:fld id="{D760344E-94CD-944A-AD0E-C122FCE4D184}" type="datetimeFigureOut">
               <a:rPr lang="en-US" smtClean="0"/>
-              <a:t>1/14/20</a:t>
+              <a:t>2/22/21</a:t>
             </a:fld>
             <a:endParaRPr lang="en-US"/>
           </a:p>
@@ -2350,7 +2356,7 @@
           <a:p>
             <a:fld id="{D760344E-94CD-944A-AD0E-C122FCE4D184}" type="datetimeFigureOut">
               <a:rPr lang="en-US" smtClean="0"/>
-              <a:t>1/14/20</a:t>
+              <a:t>2/22/21</a:t>
             </a:fld>
             <a:endParaRPr lang="en-US"/>
           </a:p>
@@ -2563,7 +2569,7 @@
           <a:p>
             <a:fld id="{D760344E-94CD-944A-AD0E-C122FCE4D184}" type="datetimeFigureOut">
               <a:rPr lang="en-US" smtClean="0"/>
-              <a:t>1/14/20</a:t>
+              <a:t>2/22/21</a:t>
             </a:fld>
             <a:endParaRPr lang="en-US"/>
           </a:p>
@@ -3846,6 +3852,720 @@
 </p:sld>
 </file>
 
+<file path=ppt/slides/slide2.xml><?xml version="1.0" encoding="utf-8"?>
+<p:sld xmlns:a="http://schemas.openxmlformats.org/drawingml/2006/main" xmlns:r="http://schemas.openxmlformats.org/officeDocument/2006/relationships" xmlns:p="http://schemas.openxmlformats.org/presentationml/2006/main">
+  <p:cSld>
+    <p:spTree>
+      <p:nvGrpSpPr>
+        <p:cNvPr id="1" name=""/>
+        <p:cNvGrpSpPr/>
+        <p:nvPr/>
+      </p:nvGrpSpPr>
+      <p:grpSpPr>
+        <a:xfrm>
+          <a:off x="0" y="0"/>
+          <a:ext cx="0" cy="0"/>
+          <a:chOff x="0" y="0"/>
+          <a:chExt cx="0" cy="0"/>
+        </a:xfrm>
+      </p:grpSpPr>
+      <p:sp>
+        <p:nvSpPr>
+          <p:cNvPr id="34" name="Rectangle 33">
+            <a:extLst>
+              <a:ext uri="{FF2B5EF4-FFF2-40B4-BE49-F238E27FC236}">
+                <a16:creationId xmlns:a16="http://schemas.microsoft.com/office/drawing/2014/main" id="{5B322239-E5C0-6A47-87ED-50DA6742C94F}"/>
+              </a:ext>
+            </a:extLst>
+          </p:cNvPr>
+          <p:cNvSpPr/>
+          <p:nvPr/>
+        </p:nvSpPr>
+        <p:spPr>
+          <a:xfrm>
+            <a:off x="456660" y="2664075"/>
+            <a:ext cx="2136473" cy="370380"/>
+          </a:xfrm>
+          <a:prstGeom prst="rect">
+            <a:avLst/>
+          </a:prstGeom>
+          <a:solidFill>
+            <a:srgbClr val="70AD47">
+              <a:lumMod val="75000"/>
+            </a:srgbClr>
+          </a:solidFill>
+          <a:ln w="12700" cap="flat" cmpd="sng" algn="ctr">
+            <a:solidFill>
+              <a:srgbClr val="5B9BD5">
+                <a:shade val="50000"/>
+              </a:srgbClr>
+            </a:solidFill>
+            <a:prstDash val="solid"/>
+            <a:miter lim="800000"/>
+          </a:ln>
+          <a:effectLst/>
+        </p:spPr>
+        <p:txBody>
+          <a:bodyPr rtlCol="0" anchor="ctr"/>
+          <a:lstStyle/>
+          <a:p>
+            <a:pPr algn="ctr" defTabSz="1219170">
+              <a:defRPr/>
+            </a:pPr>
+            <a:r>
+              <a:rPr lang="en-US" sz="1867" kern="0" dirty="0">
+                <a:solidFill>
+                  <a:prstClr val="white"/>
+                </a:solidFill>
+                <a:latin typeface="Calibri" panose="020F0502020204030204"/>
+              </a:rPr>
+              <a:t>TileDB</a:t>
+            </a:r>
+          </a:p>
+        </p:txBody>
+      </p:sp>
+      <p:pic>
+        <p:nvPicPr>
+          <p:cNvPr id="35" name="Picture 34">
+            <a:extLst>
+              <a:ext uri="{FF2B5EF4-FFF2-40B4-BE49-F238E27FC236}">
+                <a16:creationId xmlns:a16="http://schemas.microsoft.com/office/drawing/2014/main" id="{608AB0EF-498F-1E4E-B7B1-D8EBF4D34AB3}"/>
+              </a:ext>
+            </a:extLst>
+          </p:cNvPr>
+          <p:cNvPicPr>
+            <a:picLocks noChangeAspect="1"/>
+          </p:cNvPicPr>
+          <p:nvPr/>
+        </p:nvPicPr>
+        <p:blipFill rotWithShape="1">
+          <a:blip r:embed="rId2" cstate="print">
+            <a:duotone>
+              <a:srgbClr val="70AD47">
+                <a:shade val="45000"/>
+                <a:satMod val="135000"/>
+              </a:srgbClr>
+              <a:prstClr val="white"/>
+            </a:duotone>
+            <a:extLst>
+              <a:ext uri="{28A0092B-C50C-407E-A947-70E740481C1C}">
+                <a14:useLocalDpi xmlns:a14="http://schemas.microsoft.com/office/drawing/2010/main" val="0"/>
+              </a:ext>
+            </a:extLst>
+          </a:blip>
+          <a:srcRect/>
+          <a:stretch/>
+        </p:blipFill>
+        <p:spPr>
+          <a:xfrm>
+            <a:off x="758874" y="1382194"/>
+            <a:ext cx="991395" cy="812447"/>
+          </a:xfrm>
+          <a:prstGeom prst="rect">
+            <a:avLst/>
+          </a:prstGeom>
+        </p:spPr>
+      </p:pic>
+      <p:sp>
+        <p:nvSpPr>
+          <p:cNvPr id="36" name="Rectangle 35">
+            <a:extLst>
+              <a:ext uri="{FF2B5EF4-FFF2-40B4-BE49-F238E27FC236}">
+                <a16:creationId xmlns:a16="http://schemas.microsoft.com/office/drawing/2014/main" id="{E718F259-0ABF-FD48-998B-CB97F0684250}"/>
+              </a:ext>
+            </a:extLst>
+          </p:cNvPr>
+          <p:cNvSpPr/>
+          <p:nvPr/>
+        </p:nvSpPr>
+        <p:spPr>
+          <a:xfrm>
+            <a:off x="4838806" y="2286322"/>
+            <a:ext cx="2033805" cy="748134"/>
+          </a:xfrm>
+          <a:prstGeom prst="rect">
+            <a:avLst/>
+          </a:prstGeom>
+          <a:solidFill>
+            <a:srgbClr val="70AD47">
+              <a:lumMod val="75000"/>
+            </a:srgbClr>
+          </a:solidFill>
+          <a:ln w="12700" cap="flat" cmpd="sng" algn="ctr">
+            <a:solidFill>
+              <a:srgbClr val="5B9BD5">
+                <a:shade val="50000"/>
+              </a:srgbClr>
+            </a:solidFill>
+            <a:prstDash val="solid"/>
+            <a:miter lim="800000"/>
+          </a:ln>
+          <a:effectLst/>
+        </p:spPr>
+        <p:txBody>
+          <a:bodyPr lIns="0" rIns="0" rtlCol="0" anchor="ctr"/>
+          <a:lstStyle/>
+          <a:p>
+            <a:pPr algn="ctr" defTabSz="1219170">
+              <a:defRPr/>
+            </a:pPr>
+            <a:r>
+              <a:rPr lang="en-US" sz="1867" kern="0" dirty="0">
+                <a:solidFill>
+                  <a:prstClr val="white"/>
+                </a:solidFill>
+                <a:latin typeface="Calibri" panose="020F0502020204030204"/>
+              </a:rPr>
+              <a:t>Persistent Memory</a:t>
+            </a:r>
+          </a:p>
+          <a:p>
+            <a:pPr algn="ctr" defTabSz="1219170">
+              <a:defRPr/>
+            </a:pPr>
+            <a:r>
+              <a:rPr lang="en-US" sz="1867" kern="0" dirty="0">
+                <a:solidFill>
+                  <a:prstClr val="white"/>
+                </a:solidFill>
+                <a:latin typeface="Calibri" panose="020F0502020204030204"/>
+              </a:rPr>
+              <a:t>Graph DB</a:t>
+            </a:r>
+          </a:p>
+        </p:txBody>
+      </p:sp>
+      <p:sp>
+        <p:nvSpPr>
+          <p:cNvPr id="37" name="Rectangle 36">
+            <a:extLst>
+              <a:ext uri="{FF2B5EF4-FFF2-40B4-BE49-F238E27FC236}">
+                <a16:creationId xmlns:a16="http://schemas.microsoft.com/office/drawing/2014/main" id="{39BD475E-AFA0-C047-A8D9-B93D24B111B6}"/>
+              </a:ext>
+            </a:extLst>
+          </p:cNvPr>
+          <p:cNvSpPr/>
+          <p:nvPr/>
+        </p:nvSpPr>
+        <p:spPr>
+          <a:xfrm>
+            <a:off x="442589" y="186461"/>
+            <a:ext cx="6404775" cy="636294"/>
+          </a:xfrm>
+          <a:prstGeom prst="rect">
+            <a:avLst/>
+          </a:prstGeom>
+          <a:solidFill>
+            <a:srgbClr val="5B9BD5"/>
+          </a:solidFill>
+          <a:ln w="12700" cap="flat" cmpd="sng" algn="ctr">
+            <a:solidFill>
+              <a:srgbClr val="5B9BD5">
+                <a:shade val="50000"/>
+              </a:srgbClr>
+            </a:solidFill>
+            <a:prstDash val="solid"/>
+            <a:miter lim="800000"/>
+          </a:ln>
+          <a:effectLst/>
+        </p:spPr>
+        <p:txBody>
+          <a:bodyPr rtlCol="0" anchor="ctr"/>
+          <a:lstStyle/>
+          <a:p>
+            <a:pPr algn="ctr" defTabSz="1219170">
+              <a:defRPr/>
+            </a:pPr>
+            <a:r>
+              <a:rPr lang="en-US" sz="1867" kern="0" dirty="0">
+                <a:solidFill>
+                  <a:prstClr val="white"/>
+                </a:solidFill>
+                <a:latin typeface="Calibri" panose="020F0502020204030204"/>
+              </a:rPr>
+              <a:t>Applications</a:t>
+            </a:r>
+          </a:p>
+        </p:txBody>
+      </p:sp>
+      <p:sp>
+        <p:nvSpPr>
+          <p:cNvPr id="39" name="Rectangle 38">
+            <a:extLst>
+              <a:ext uri="{FF2B5EF4-FFF2-40B4-BE49-F238E27FC236}">
+                <a16:creationId xmlns:a16="http://schemas.microsoft.com/office/drawing/2014/main" id="{DE0A367F-DA2A-6644-8636-B23898AC4165}"/>
+              </a:ext>
+            </a:extLst>
+          </p:cNvPr>
+          <p:cNvSpPr/>
+          <p:nvPr/>
+        </p:nvSpPr>
+        <p:spPr>
+          <a:xfrm>
+            <a:off x="2647734" y="2664075"/>
+            <a:ext cx="2136473" cy="370380"/>
+          </a:xfrm>
+          <a:prstGeom prst="rect">
+            <a:avLst/>
+          </a:prstGeom>
+          <a:solidFill>
+            <a:srgbClr val="70AD47">
+              <a:lumMod val="75000"/>
+            </a:srgbClr>
+          </a:solidFill>
+          <a:ln w="12700" cap="flat" cmpd="sng" algn="ctr">
+            <a:solidFill>
+              <a:srgbClr val="5B9BD5">
+                <a:shade val="50000"/>
+              </a:srgbClr>
+            </a:solidFill>
+            <a:prstDash val="solid"/>
+            <a:miter lim="800000"/>
+          </a:ln>
+          <a:effectLst/>
+        </p:spPr>
+        <p:txBody>
+          <a:bodyPr rtlCol="0" anchor="ctr"/>
+          <a:lstStyle/>
+          <a:p>
+            <a:pPr algn="ctr" defTabSz="1219170">
+              <a:defRPr/>
+            </a:pPr>
+            <a:r>
+              <a:rPr lang="en-US" sz="1867" kern="0" dirty="0">
+                <a:solidFill>
+                  <a:prstClr val="white"/>
+                </a:solidFill>
+                <a:latin typeface="Calibri" panose="020F0502020204030204"/>
+              </a:rPr>
+              <a:t>OpenCV</a:t>
+            </a:r>
+          </a:p>
+        </p:txBody>
+      </p:sp>
+      <p:pic>
+        <p:nvPicPr>
+          <p:cNvPr id="40" name="Picture 39">
+            <a:extLst>
+              <a:ext uri="{FF2B5EF4-FFF2-40B4-BE49-F238E27FC236}">
+                <a16:creationId xmlns:a16="http://schemas.microsoft.com/office/drawing/2014/main" id="{412C85FE-EA1E-E541-A4B7-C2CED1F7A5CF}"/>
+              </a:ext>
+            </a:extLst>
+          </p:cNvPr>
+          <p:cNvPicPr>
+            <a:picLocks noChangeAspect="1"/>
+          </p:cNvPicPr>
+          <p:nvPr/>
+        </p:nvPicPr>
+        <p:blipFill>
+          <a:blip r:embed="rId3" cstate="print">
+            <a:duotone>
+              <a:srgbClr val="70AD47">
+                <a:shade val="45000"/>
+                <a:satMod val="135000"/>
+              </a:srgbClr>
+              <a:prstClr val="white"/>
+            </a:duotone>
+            <a:extLst>
+              <a:ext uri="{28A0092B-C50C-407E-A947-70E740481C1C}">
+                <a14:useLocalDpi xmlns:a14="http://schemas.microsoft.com/office/drawing/2010/main" val="0"/>
+              </a:ext>
+            </a:extLst>
+          </a:blip>
+          <a:stretch>
+            <a:fillRect/>
+          </a:stretch>
+        </p:blipFill>
+        <p:spPr>
+          <a:xfrm>
+            <a:off x="3582816" y="1385805"/>
+            <a:ext cx="985236" cy="812447"/>
+          </a:xfrm>
+          <a:prstGeom prst="rect">
+            <a:avLst/>
+          </a:prstGeom>
+        </p:spPr>
+      </p:pic>
+      <p:pic>
+        <p:nvPicPr>
+          <p:cNvPr id="41" name="Picture 40">
+            <a:extLst>
+              <a:ext uri="{FF2B5EF4-FFF2-40B4-BE49-F238E27FC236}">
+                <a16:creationId xmlns:a16="http://schemas.microsoft.com/office/drawing/2014/main" id="{713F72F5-F310-EF4C-920D-D6EEFF364474}"/>
+              </a:ext>
+            </a:extLst>
+          </p:cNvPr>
+          <p:cNvPicPr>
+            <a:picLocks noChangeAspect="1"/>
+          </p:cNvPicPr>
+          <p:nvPr/>
+        </p:nvPicPr>
+        <p:blipFill>
+          <a:blip r:embed="rId4" cstate="print">
+            <a:duotone>
+              <a:prstClr val="black"/>
+              <a:srgbClr val="70AD47">
+                <a:tint val="45000"/>
+                <a:satMod val="400000"/>
+              </a:srgbClr>
+            </a:duotone>
+            <a:extLst>
+              <a:ext uri="{28A0092B-C50C-407E-A947-70E740481C1C}">
+                <a14:useLocalDpi xmlns:a14="http://schemas.microsoft.com/office/drawing/2010/main" val="0"/>
+              </a:ext>
+            </a:extLst>
+          </a:blip>
+          <a:stretch>
+            <a:fillRect/>
+          </a:stretch>
+        </p:blipFill>
+        <p:spPr>
+          <a:xfrm>
+            <a:off x="5405658" y="1366461"/>
+            <a:ext cx="750083" cy="812447"/>
+          </a:xfrm>
+          <a:prstGeom prst="rect">
+            <a:avLst/>
+          </a:prstGeom>
+        </p:spPr>
+      </p:pic>
+      <p:pic>
+        <p:nvPicPr>
+          <p:cNvPr id="42" name="Picture 41">
+            <a:extLst>
+              <a:ext uri="{FF2B5EF4-FFF2-40B4-BE49-F238E27FC236}">
+                <a16:creationId xmlns:a16="http://schemas.microsoft.com/office/drawing/2014/main" id="{9001F5AA-0051-464F-B93A-E4150DC8652B}"/>
+              </a:ext>
+            </a:extLst>
+          </p:cNvPr>
+          <p:cNvPicPr>
+            <a:picLocks noChangeAspect="1"/>
+          </p:cNvPicPr>
+          <p:nvPr/>
+        </p:nvPicPr>
+        <p:blipFill rotWithShape="1">
+          <a:blip r:embed="rId5" cstate="print">
+            <a:duotone>
+              <a:srgbClr val="70AD47">
+                <a:shade val="45000"/>
+                <a:satMod val="135000"/>
+              </a:srgbClr>
+              <a:prstClr val="white"/>
+            </a:duotone>
+            <a:extLst>
+              <a:ext uri="{28A0092B-C50C-407E-A947-70E740481C1C}">
+                <a14:useLocalDpi xmlns:a14="http://schemas.microsoft.com/office/drawing/2010/main" val="0"/>
+              </a:ext>
+            </a:extLst>
+          </a:blip>
+          <a:srcRect t="26890" r="60350"/>
+          <a:stretch/>
+        </p:blipFill>
+        <p:spPr>
+          <a:xfrm>
+            <a:off x="2169072" y="1385805"/>
+            <a:ext cx="848122" cy="812447"/>
+          </a:xfrm>
+          <a:prstGeom prst="rect">
+            <a:avLst/>
+          </a:prstGeom>
+        </p:spPr>
+      </p:pic>
+      <p:sp>
+        <p:nvSpPr>
+          <p:cNvPr id="43" name="Rectangle 42">
+            <a:extLst>
+              <a:ext uri="{FF2B5EF4-FFF2-40B4-BE49-F238E27FC236}">
+                <a16:creationId xmlns:a16="http://schemas.microsoft.com/office/drawing/2014/main" id="{F658059A-50D7-3942-A4EA-DC8C78A18F59}"/>
+              </a:ext>
+            </a:extLst>
+          </p:cNvPr>
+          <p:cNvSpPr/>
+          <p:nvPr/>
+        </p:nvSpPr>
+        <p:spPr>
+          <a:xfrm>
+            <a:off x="442589" y="863799"/>
+            <a:ext cx="6404775" cy="424246"/>
+          </a:xfrm>
+          <a:prstGeom prst="rect">
+            <a:avLst/>
+          </a:prstGeom>
+          <a:solidFill>
+            <a:srgbClr val="70AD47">
+              <a:lumMod val="75000"/>
+            </a:srgbClr>
+          </a:solidFill>
+          <a:ln w="12700" cap="flat" cmpd="sng" algn="ctr">
+            <a:solidFill>
+              <a:srgbClr val="5B9BD5">
+                <a:shade val="50000"/>
+              </a:srgbClr>
+            </a:solidFill>
+            <a:prstDash val="solid"/>
+            <a:miter lim="800000"/>
+          </a:ln>
+          <a:effectLst/>
+        </p:spPr>
+        <p:txBody>
+          <a:bodyPr rtlCol="0" anchor="ctr"/>
+          <a:lstStyle/>
+          <a:p>
+            <a:pPr algn="ctr" defTabSz="1219170">
+              <a:defRPr/>
+            </a:pPr>
+            <a:r>
+              <a:rPr lang="en-US" sz="1867" kern="0" dirty="0">
+                <a:solidFill>
+                  <a:prstClr val="white"/>
+                </a:solidFill>
+                <a:latin typeface="Calibri" panose="020F0502020204030204"/>
+              </a:rPr>
+              <a:t>VDMS API</a:t>
+            </a:r>
+          </a:p>
+        </p:txBody>
+      </p:sp>
+      <p:sp>
+        <p:nvSpPr>
+          <p:cNvPr id="44" name="Rectangle 43">
+            <a:extLst>
+              <a:ext uri="{FF2B5EF4-FFF2-40B4-BE49-F238E27FC236}">
+                <a16:creationId xmlns:a16="http://schemas.microsoft.com/office/drawing/2014/main" id="{E3CD40A2-5F2D-B141-A6E0-581129D7DF59}"/>
+              </a:ext>
+            </a:extLst>
+          </p:cNvPr>
+          <p:cNvSpPr/>
+          <p:nvPr/>
+        </p:nvSpPr>
+        <p:spPr>
+          <a:xfrm>
+            <a:off x="456660" y="2286322"/>
+            <a:ext cx="4327546" cy="336709"/>
+          </a:xfrm>
+          <a:prstGeom prst="rect">
+            <a:avLst/>
+          </a:prstGeom>
+          <a:solidFill>
+            <a:srgbClr val="70AD47">
+              <a:lumMod val="75000"/>
+            </a:srgbClr>
+          </a:solidFill>
+          <a:ln w="12700" cap="flat" cmpd="sng" algn="ctr">
+            <a:solidFill>
+              <a:srgbClr val="5B9BD5">
+                <a:shade val="50000"/>
+              </a:srgbClr>
+            </a:solidFill>
+            <a:prstDash val="solid"/>
+            <a:miter lim="800000"/>
+          </a:ln>
+          <a:effectLst/>
+        </p:spPr>
+        <p:txBody>
+          <a:bodyPr rtlCol="0" anchor="ctr"/>
+          <a:lstStyle/>
+          <a:p>
+            <a:pPr algn="ctr" defTabSz="1219170">
+              <a:defRPr/>
+            </a:pPr>
+            <a:r>
+              <a:rPr lang="en-US" sz="1867" kern="0" dirty="0">
+                <a:solidFill>
+                  <a:prstClr val="white"/>
+                </a:solidFill>
+                <a:latin typeface="Calibri" panose="020F0502020204030204"/>
+              </a:rPr>
+              <a:t>Visual Compute Module</a:t>
+            </a:r>
+          </a:p>
+        </p:txBody>
+      </p:sp>
+      <p:sp>
+        <p:nvSpPr>
+          <p:cNvPr id="21" name="Rectangle 20">
+            <a:extLst>
+              <a:ext uri="{FF2B5EF4-FFF2-40B4-BE49-F238E27FC236}">
+                <a16:creationId xmlns:a16="http://schemas.microsoft.com/office/drawing/2014/main" id="{00F6447A-1318-D04B-AB3A-9A9ABACD397A}"/>
+              </a:ext>
+            </a:extLst>
+          </p:cNvPr>
+          <p:cNvSpPr/>
+          <p:nvPr/>
+        </p:nvSpPr>
+        <p:spPr>
+          <a:xfrm>
+            <a:off x="442589" y="3101238"/>
+            <a:ext cx="4341617" cy="649958"/>
+          </a:xfrm>
+          <a:prstGeom prst="rect">
+            <a:avLst/>
+          </a:prstGeom>
+          <a:solidFill>
+            <a:srgbClr val="70AD47">
+              <a:lumMod val="75000"/>
+            </a:srgbClr>
+          </a:solidFill>
+          <a:ln w="12700" cap="flat" cmpd="sng" algn="ctr">
+            <a:solidFill>
+              <a:srgbClr val="5B9BD5">
+                <a:shade val="50000"/>
+              </a:srgbClr>
+            </a:solidFill>
+            <a:prstDash val="solid"/>
+            <a:miter lim="800000"/>
+          </a:ln>
+          <a:effectLst/>
+        </p:spPr>
+        <p:txBody>
+          <a:bodyPr lIns="0" rIns="0" rtlCol="0" anchor="ctr"/>
+          <a:lstStyle/>
+          <a:p>
+            <a:pPr algn="ctr" defTabSz="1219170">
+              <a:defRPr/>
+            </a:pPr>
+            <a:r>
+              <a:rPr lang="en-US" sz="1867" kern="0" dirty="0">
+                <a:solidFill>
+                  <a:prstClr val="white"/>
+                </a:solidFill>
+                <a:latin typeface="Calibri" panose="020F0502020204030204"/>
+              </a:rPr>
+              <a:t>File System (Local or Distributed)</a:t>
+            </a:r>
+          </a:p>
+        </p:txBody>
+      </p:sp>
+      <p:sp>
+        <p:nvSpPr>
+          <p:cNvPr id="22" name="Rectangle 21">
+            <a:extLst>
+              <a:ext uri="{FF2B5EF4-FFF2-40B4-BE49-F238E27FC236}">
+                <a16:creationId xmlns:a16="http://schemas.microsoft.com/office/drawing/2014/main" id="{94C55277-20C1-ED42-B443-B9A54AB6A85A}"/>
+              </a:ext>
+            </a:extLst>
+          </p:cNvPr>
+          <p:cNvSpPr/>
+          <p:nvPr/>
+        </p:nvSpPr>
+        <p:spPr>
+          <a:xfrm>
+            <a:off x="4845983" y="3101238"/>
+            <a:ext cx="2033805" cy="649958"/>
+          </a:xfrm>
+          <a:prstGeom prst="rect">
+            <a:avLst/>
+          </a:prstGeom>
+          <a:noFill/>
+          <a:ln w="12700" cap="flat" cmpd="sng" algn="ctr">
+            <a:solidFill>
+              <a:srgbClr val="5B9BD5">
+                <a:shade val="50000"/>
+              </a:srgbClr>
+            </a:solidFill>
+            <a:prstDash val="solid"/>
+            <a:miter lim="800000"/>
+          </a:ln>
+          <a:effectLst/>
+        </p:spPr>
+        <p:txBody>
+          <a:bodyPr lIns="0" rIns="0" rtlCol="0" anchor="ctr"/>
+          <a:lstStyle/>
+          <a:p>
+            <a:pPr algn="ctr" defTabSz="1219170">
+              <a:defRPr/>
+            </a:pPr>
+            <a:endParaRPr lang="en-US" sz="1867" kern="0" dirty="0">
+              <a:solidFill>
+                <a:prstClr val="white"/>
+              </a:solidFill>
+              <a:latin typeface="Calibri" panose="020F0502020204030204"/>
+            </a:endParaRPr>
+          </a:p>
+        </p:txBody>
+      </p:sp>
+      <p:sp>
+        <p:nvSpPr>
+          <p:cNvPr id="2" name="Rectangle 1">
+            <a:extLst>
+              <a:ext uri="{FF2B5EF4-FFF2-40B4-BE49-F238E27FC236}">
+                <a16:creationId xmlns:a16="http://schemas.microsoft.com/office/drawing/2014/main" id="{2F47D08F-1A14-F848-9039-CE66F6A7FB68}"/>
+              </a:ext>
+            </a:extLst>
+          </p:cNvPr>
+          <p:cNvSpPr/>
+          <p:nvPr/>
+        </p:nvSpPr>
+        <p:spPr>
+          <a:xfrm>
+            <a:off x="3114321" y="4060309"/>
+            <a:ext cx="861133" cy="369332"/>
+          </a:xfrm>
+          <a:prstGeom prst="rect">
+            <a:avLst/>
+          </a:prstGeom>
+        </p:spPr>
+        <p:txBody>
+          <a:bodyPr wrap="none">
+            <a:spAutoFit/>
+          </a:bodyPr>
+          <a:lstStyle/>
+          <a:p>
+            <a:r>
+              <a:rPr lang="en-US" kern="0" dirty="0">
+                <a:solidFill>
+                  <a:prstClr val="white"/>
+                </a:solidFill>
+              </a:rPr>
+              <a:t>System</a:t>
+            </a:r>
+            <a:endParaRPr lang="en-US" dirty="0"/>
+          </a:p>
+        </p:txBody>
+      </p:sp>
+      <p:pic>
+        <p:nvPicPr>
+          <p:cNvPr id="4" name="Picture 3">
+            <a:extLst>
+              <a:ext uri="{FF2B5EF4-FFF2-40B4-BE49-F238E27FC236}">
+                <a16:creationId xmlns:a16="http://schemas.microsoft.com/office/drawing/2014/main" id="{25513212-BEF3-4140-9245-9CF7F0B1F37E}"/>
+              </a:ext>
+            </a:extLst>
+          </p:cNvPr>
+          <p:cNvPicPr>
+            <a:picLocks noChangeAspect="1"/>
+          </p:cNvPicPr>
+          <p:nvPr/>
+        </p:nvPicPr>
+        <p:blipFill>
+          <a:blip r:embed="rId6"/>
+          <a:stretch>
+            <a:fillRect/>
+          </a:stretch>
+        </p:blipFill>
+        <p:spPr>
+          <a:xfrm>
+            <a:off x="5046900" y="3225658"/>
+            <a:ext cx="1631970" cy="378243"/>
+          </a:xfrm>
+          <a:prstGeom prst="rect">
+            <a:avLst/>
+          </a:prstGeom>
+        </p:spPr>
+      </p:pic>
+    </p:spTree>
+    <p:extLst>
+      <p:ext uri="{BB962C8B-B14F-4D97-AF65-F5344CB8AC3E}">
+        <p14:creationId xmlns:p14="http://schemas.microsoft.com/office/powerpoint/2010/main" val="3505215964"/>
+      </p:ext>
+    </p:extLst>
+  </p:cSld>
+  <p:clrMapOvr>
+    <a:masterClrMapping/>
+  </p:clrMapOvr>
+</p:sld>
+</file>
+
 <file path=ppt/theme/theme1.xml><?xml version="1.0" encoding="utf-8"?>
 <a:theme xmlns:a="http://schemas.openxmlformats.org/drawingml/2006/main" name="Office Theme">
   <a:themeElements>

--- a/yfcc100m/paper/figures/vdms_arch.pptx
+++ b/yfcc100m/paper/figures/vdms_arch.pptx
@@ -5,8 +5,8 @@
     <p:sldMasterId id="2147483672" r:id="rId1"/>
   </p:sldMasterIdLst>
   <p:sldIdLst>
-    <p:sldId id="1447" r:id="rId2"/>
-    <p:sldId id="1448" r:id="rId3"/>
+    <p:sldId id="1448" r:id="rId2"/>
+    <p:sldId id="1447" r:id="rId3"/>
   </p:sldIdLst>
   <p:sldSz cx="7315200" cy="4572000"/>
   <p:notesSz cx="6858000" cy="9144000"/>
@@ -244,7 +244,7 @@
           <a:p>
             <a:fld id="{D760344E-94CD-944A-AD0E-C122FCE4D184}" type="datetimeFigureOut">
               <a:rPr lang="en-US" smtClean="0"/>
-              <a:t>2/22/21</a:t>
+              <a:t>2/25/21</a:t>
             </a:fld>
             <a:endParaRPr lang="en-US"/>
           </a:p>
@@ -414,7 +414,7 @@
           <a:p>
             <a:fld id="{D760344E-94CD-944A-AD0E-C122FCE4D184}" type="datetimeFigureOut">
               <a:rPr lang="en-US" smtClean="0"/>
-              <a:t>2/22/21</a:t>
+              <a:t>2/25/21</a:t>
             </a:fld>
             <a:endParaRPr lang="en-US"/>
           </a:p>
@@ -594,7 +594,7 @@
           <a:p>
             <a:fld id="{D760344E-94CD-944A-AD0E-C122FCE4D184}" type="datetimeFigureOut">
               <a:rPr lang="en-US" smtClean="0"/>
-              <a:t>2/22/21</a:t>
+              <a:t>2/25/21</a:t>
             </a:fld>
             <a:endParaRPr lang="en-US"/>
           </a:p>
@@ -764,7 +764,7 @@
           <a:p>
             <a:fld id="{D760344E-94CD-944A-AD0E-C122FCE4D184}" type="datetimeFigureOut">
               <a:rPr lang="en-US" smtClean="0"/>
-              <a:t>2/22/21</a:t>
+              <a:t>2/25/21</a:t>
             </a:fld>
             <a:endParaRPr lang="en-US"/>
           </a:p>
@@ -1010,7 +1010,7 @@
           <a:p>
             <a:fld id="{D760344E-94CD-944A-AD0E-C122FCE4D184}" type="datetimeFigureOut">
               <a:rPr lang="en-US" smtClean="0"/>
-              <a:t>2/22/21</a:t>
+              <a:t>2/25/21</a:t>
             </a:fld>
             <a:endParaRPr lang="en-US"/>
           </a:p>
@@ -1242,7 +1242,7 @@
           <a:p>
             <a:fld id="{D760344E-94CD-944A-AD0E-C122FCE4D184}" type="datetimeFigureOut">
               <a:rPr lang="en-US" smtClean="0"/>
-              <a:t>2/22/21</a:t>
+              <a:t>2/25/21</a:t>
             </a:fld>
             <a:endParaRPr lang="en-US"/>
           </a:p>
@@ -1609,7 +1609,7 @@
           <a:p>
             <a:fld id="{D760344E-94CD-944A-AD0E-C122FCE4D184}" type="datetimeFigureOut">
               <a:rPr lang="en-US" smtClean="0"/>
-              <a:t>2/22/21</a:t>
+              <a:t>2/25/21</a:t>
             </a:fld>
             <a:endParaRPr lang="en-US"/>
           </a:p>
@@ -1727,7 +1727,7 @@
           <a:p>
             <a:fld id="{D760344E-94CD-944A-AD0E-C122FCE4D184}" type="datetimeFigureOut">
               <a:rPr lang="en-US" smtClean="0"/>
-              <a:t>2/22/21</a:t>
+              <a:t>2/25/21</a:t>
             </a:fld>
             <a:endParaRPr lang="en-US"/>
           </a:p>
@@ -1822,7 +1822,7 @@
           <a:p>
             <a:fld id="{D760344E-94CD-944A-AD0E-C122FCE4D184}" type="datetimeFigureOut">
               <a:rPr lang="en-US" smtClean="0"/>
-              <a:t>2/22/21</a:t>
+              <a:t>2/25/21</a:t>
             </a:fld>
             <a:endParaRPr lang="en-US"/>
           </a:p>
@@ -2099,7 +2099,7 @@
           <a:p>
             <a:fld id="{D760344E-94CD-944A-AD0E-C122FCE4D184}" type="datetimeFigureOut">
               <a:rPr lang="en-US" smtClean="0"/>
-              <a:t>2/22/21</a:t>
+              <a:t>2/25/21</a:t>
             </a:fld>
             <a:endParaRPr lang="en-US"/>
           </a:p>
@@ -2356,7 +2356,7 @@
           <a:p>
             <a:fld id="{D760344E-94CD-944A-AD0E-C122FCE4D184}" type="datetimeFigureOut">
               <a:rPr lang="en-US" smtClean="0"/>
-              <a:t>2/22/21</a:t>
+              <a:t>2/25/21</a:t>
             </a:fld>
             <a:endParaRPr lang="en-US"/>
           </a:p>
@@ -2569,7 +2569,7 @@
           <a:p>
             <a:fld id="{D760344E-94CD-944A-AD0E-C122FCE4D184}" type="datetimeFigureOut">
               <a:rPr lang="en-US" smtClean="0"/>
-              <a:t>2/22/21</a:t>
+              <a:t>2/25/21</a:t>
             </a:fld>
             <a:endParaRPr lang="en-US"/>
           </a:p>
@@ -2958,6 +2958,1309 @@
 </file>
 
 <file path=ppt/slides/slide1.xml><?xml version="1.0" encoding="utf-8"?>
+<p:sld xmlns:a="http://schemas.openxmlformats.org/drawingml/2006/main" xmlns:r="http://schemas.openxmlformats.org/officeDocument/2006/relationships" xmlns:p="http://schemas.openxmlformats.org/presentationml/2006/main">
+  <p:cSld>
+    <p:spTree>
+      <p:nvGrpSpPr>
+        <p:cNvPr id="1" name=""/>
+        <p:cNvGrpSpPr/>
+        <p:nvPr/>
+      </p:nvGrpSpPr>
+      <p:grpSpPr>
+        <a:xfrm>
+          <a:off x="0" y="0"/>
+          <a:ext cx="0" cy="0"/>
+          <a:chOff x="0" y="0"/>
+          <a:chExt cx="0" cy="0"/>
+        </a:xfrm>
+      </p:grpSpPr>
+      <p:sp>
+        <p:nvSpPr>
+          <p:cNvPr id="34" name="Rectangle 33">
+            <a:extLst>
+              <a:ext uri="{FF2B5EF4-FFF2-40B4-BE49-F238E27FC236}">
+                <a16:creationId xmlns:a16="http://schemas.microsoft.com/office/drawing/2014/main" id="{5B322239-E5C0-6A47-87ED-50DA6742C94F}"/>
+              </a:ext>
+            </a:extLst>
+          </p:cNvPr>
+          <p:cNvSpPr/>
+          <p:nvPr/>
+        </p:nvSpPr>
+        <p:spPr>
+          <a:xfrm>
+            <a:off x="542215" y="3184317"/>
+            <a:ext cx="991395" cy="370380"/>
+          </a:xfrm>
+          <a:prstGeom prst="rect">
+            <a:avLst/>
+          </a:prstGeom>
+          <a:solidFill>
+            <a:srgbClr val="70AD47">
+              <a:lumMod val="75000"/>
+            </a:srgbClr>
+          </a:solidFill>
+          <a:ln w="12700" cap="flat" cmpd="sng" algn="ctr">
+            <a:solidFill>
+              <a:srgbClr val="5B9BD5">
+                <a:shade val="50000"/>
+              </a:srgbClr>
+            </a:solidFill>
+            <a:prstDash val="solid"/>
+            <a:miter lim="800000"/>
+          </a:ln>
+          <a:effectLst/>
+        </p:spPr>
+        <p:txBody>
+          <a:bodyPr rtlCol="0" anchor="ctr"/>
+          <a:lstStyle/>
+          <a:p>
+            <a:pPr algn="ctr" defTabSz="1219170">
+              <a:defRPr/>
+            </a:pPr>
+            <a:r>
+              <a:rPr lang="en-US" sz="1200" kern="0" dirty="0">
+                <a:solidFill>
+                  <a:prstClr val="white"/>
+                </a:solidFill>
+                <a:latin typeface="Calibri" panose="020F0502020204030204"/>
+              </a:rPr>
+              <a:t>TileDB</a:t>
+            </a:r>
+          </a:p>
+        </p:txBody>
+      </p:sp>
+      <p:pic>
+        <p:nvPicPr>
+          <p:cNvPr id="35" name="Picture 34">
+            <a:extLst>
+              <a:ext uri="{FF2B5EF4-FFF2-40B4-BE49-F238E27FC236}">
+                <a16:creationId xmlns:a16="http://schemas.microsoft.com/office/drawing/2014/main" id="{608AB0EF-498F-1E4E-B7B1-D8EBF4D34AB3}"/>
+              </a:ext>
+            </a:extLst>
+          </p:cNvPr>
+          <p:cNvPicPr>
+            <a:picLocks noChangeAspect="1"/>
+          </p:cNvPicPr>
+          <p:nvPr/>
+        </p:nvPicPr>
+        <p:blipFill rotWithShape="1">
+          <a:blip r:embed="rId2" cstate="print">
+            <a:duotone>
+              <a:srgbClr val="70AD47">
+                <a:shade val="45000"/>
+                <a:satMod val="135000"/>
+              </a:srgbClr>
+              <a:prstClr val="white"/>
+            </a:duotone>
+            <a:extLst>
+              <a:ext uri="{28A0092B-C50C-407E-A947-70E740481C1C}">
+                <a14:useLocalDpi xmlns:a14="http://schemas.microsoft.com/office/drawing/2010/main" val="0"/>
+              </a:ext>
+            </a:extLst>
+          </a:blip>
+          <a:srcRect/>
+          <a:stretch/>
+        </p:blipFill>
+        <p:spPr>
+          <a:xfrm>
+            <a:off x="1034546" y="2286000"/>
+            <a:ext cx="991395" cy="812447"/>
+          </a:xfrm>
+          <a:prstGeom prst="rect">
+            <a:avLst/>
+          </a:prstGeom>
+        </p:spPr>
+      </p:pic>
+      <p:sp>
+        <p:nvSpPr>
+          <p:cNvPr id="36" name="Rectangle 35">
+            <a:extLst>
+              <a:ext uri="{FF2B5EF4-FFF2-40B4-BE49-F238E27FC236}">
+                <a16:creationId xmlns:a16="http://schemas.microsoft.com/office/drawing/2014/main" id="{E718F259-0ABF-FD48-998B-CB97F0684250}"/>
+              </a:ext>
+            </a:extLst>
+          </p:cNvPr>
+          <p:cNvSpPr/>
+          <p:nvPr/>
+        </p:nvSpPr>
+        <p:spPr>
+          <a:xfrm>
+            <a:off x="4910291" y="1882189"/>
+            <a:ext cx="2033805" cy="748134"/>
+          </a:xfrm>
+          <a:prstGeom prst="rect">
+            <a:avLst/>
+          </a:prstGeom>
+          <a:solidFill>
+            <a:srgbClr val="70AD47">
+              <a:lumMod val="75000"/>
+            </a:srgbClr>
+          </a:solidFill>
+          <a:ln w="12700" cap="flat" cmpd="sng" algn="ctr">
+            <a:solidFill>
+              <a:srgbClr val="5B9BD5">
+                <a:shade val="50000"/>
+              </a:srgbClr>
+            </a:solidFill>
+            <a:prstDash val="solid"/>
+            <a:miter lim="800000"/>
+          </a:ln>
+          <a:effectLst/>
+        </p:spPr>
+        <p:txBody>
+          <a:bodyPr lIns="0" rIns="0" rtlCol="0" anchor="ctr"/>
+          <a:lstStyle/>
+          <a:p>
+            <a:pPr algn="ctr" defTabSz="1219170">
+              <a:defRPr/>
+            </a:pPr>
+            <a:r>
+              <a:rPr lang="en-US" sz="1867" kern="0" dirty="0">
+                <a:solidFill>
+                  <a:prstClr val="white"/>
+                </a:solidFill>
+                <a:latin typeface="Calibri" panose="020F0502020204030204"/>
+              </a:rPr>
+              <a:t>Graph Engine</a:t>
+            </a:r>
+          </a:p>
+        </p:txBody>
+      </p:sp>
+      <p:sp>
+        <p:nvSpPr>
+          <p:cNvPr id="37" name="Rectangle 36">
+            <a:extLst>
+              <a:ext uri="{FF2B5EF4-FFF2-40B4-BE49-F238E27FC236}">
+                <a16:creationId xmlns:a16="http://schemas.microsoft.com/office/drawing/2014/main" id="{39BD475E-AFA0-C047-A8D9-B93D24B111B6}"/>
+              </a:ext>
+            </a:extLst>
+          </p:cNvPr>
+          <p:cNvSpPr/>
+          <p:nvPr/>
+        </p:nvSpPr>
+        <p:spPr>
+          <a:xfrm>
+            <a:off x="455661" y="290418"/>
+            <a:ext cx="6565432" cy="354658"/>
+          </a:xfrm>
+          <a:prstGeom prst="rect">
+            <a:avLst/>
+          </a:prstGeom>
+          <a:solidFill>
+            <a:srgbClr val="5B9BD5"/>
+          </a:solidFill>
+          <a:ln w="12700" cap="flat" cmpd="sng" algn="ctr">
+            <a:solidFill>
+              <a:srgbClr val="5B9BD5">
+                <a:shade val="50000"/>
+              </a:srgbClr>
+            </a:solidFill>
+            <a:prstDash val="solid"/>
+            <a:miter lim="800000"/>
+          </a:ln>
+          <a:effectLst/>
+        </p:spPr>
+        <p:txBody>
+          <a:bodyPr rtlCol="0" anchor="ctr"/>
+          <a:lstStyle/>
+          <a:p>
+            <a:pPr algn="ctr" defTabSz="1219170">
+              <a:defRPr/>
+            </a:pPr>
+            <a:r>
+              <a:rPr lang="en-US" sz="1867" kern="0" dirty="0">
+                <a:solidFill>
+                  <a:prstClr val="white"/>
+                </a:solidFill>
+                <a:latin typeface="Calibri" panose="020F0502020204030204"/>
+              </a:rPr>
+              <a:t>Applications</a:t>
+            </a:r>
+          </a:p>
+        </p:txBody>
+      </p:sp>
+      <p:pic>
+        <p:nvPicPr>
+          <p:cNvPr id="40" name="Picture 39">
+            <a:extLst>
+              <a:ext uri="{FF2B5EF4-FFF2-40B4-BE49-F238E27FC236}">
+                <a16:creationId xmlns:a16="http://schemas.microsoft.com/office/drawing/2014/main" id="{412C85FE-EA1E-E541-A4B7-C2CED1F7A5CF}"/>
+              </a:ext>
+            </a:extLst>
+          </p:cNvPr>
+          <p:cNvPicPr>
+            <a:picLocks noChangeAspect="1"/>
+          </p:cNvPicPr>
+          <p:nvPr/>
+        </p:nvPicPr>
+        <p:blipFill>
+          <a:blip r:embed="rId3" cstate="print">
+            <a:duotone>
+              <a:srgbClr val="70AD47">
+                <a:shade val="45000"/>
+                <a:satMod val="135000"/>
+              </a:srgbClr>
+              <a:prstClr val="white"/>
+            </a:duotone>
+            <a:extLst>
+              <a:ext uri="{28A0092B-C50C-407E-A947-70E740481C1C}">
+                <a14:useLocalDpi xmlns:a14="http://schemas.microsoft.com/office/drawing/2010/main" val="0"/>
+              </a:ext>
+            </a:extLst>
+          </a:blip>
+          <a:stretch>
+            <a:fillRect/>
+          </a:stretch>
+        </p:blipFill>
+        <p:spPr>
+          <a:xfrm>
+            <a:off x="3750020" y="2293128"/>
+            <a:ext cx="985236" cy="812447"/>
+          </a:xfrm>
+          <a:prstGeom prst="rect">
+            <a:avLst/>
+          </a:prstGeom>
+        </p:spPr>
+      </p:pic>
+      <p:pic>
+        <p:nvPicPr>
+          <p:cNvPr id="41" name="Picture 40">
+            <a:extLst>
+              <a:ext uri="{FF2B5EF4-FFF2-40B4-BE49-F238E27FC236}">
+                <a16:creationId xmlns:a16="http://schemas.microsoft.com/office/drawing/2014/main" id="{713F72F5-F310-EF4C-920D-D6EEFF364474}"/>
+              </a:ext>
+            </a:extLst>
+          </p:cNvPr>
+          <p:cNvPicPr>
+            <a:picLocks noChangeAspect="1"/>
+          </p:cNvPicPr>
+          <p:nvPr/>
+        </p:nvPicPr>
+        <p:blipFill>
+          <a:blip r:embed="rId4" cstate="print">
+            <a:duotone>
+              <a:prstClr val="black"/>
+              <a:srgbClr val="70AD47">
+                <a:tint val="45000"/>
+                <a:satMod val="400000"/>
+              </a:srgbClr>
+            </a:duotone>
+            <a:extLst>
+              <a:ext uri="{28A0092B-C50C-407E-A947-70E740481C1C}">
+                <a14:useLocalDpi xmlns:a14="http://schemas.microsoft.com/office/drawing/2010/main" val="0"/>
+              </a:ext>
+            </a:extLst>
+          </a:blip>
+          <a:stretch>
+            <a:fillRect/>
+          </a:stretch>
+        </p:blipFill>
+        <p:spPr>
+          <a:xfrm>
+            <a:off x="5576693" y="2704531"/>
+            <a:ext cx="750083" cy="812447"/>
+          </a:xfrm>
+          <a:prstGeom prst="rect">
+            <a:avLst/>
+          </a:prstGeom>
+        </p:spPr>
+      </p:pic>
+      <p:pic>
+        <p:nvPicPr>
+          <p:cNvPr id="42" name="Picture 41">
+            <a:extLst>
+              <a:ext uri="{FF2B5EF4-FFF2-40B4-BE49-F238E27FC236}">
+                <a16:creationId xmlns:a16="http://schemas.microsoft.com/office/drawing/2014/main" id="{9001F5AA-0051-464F-B93A-E4150DC8652B}"/>
+              </a:ext>
+            </a:extLst>
+          </p:cNvPr>
+          <p:cNvPicPr>
+            <a:picLocks noChangeAspect="1"/>
+          </p:cNvPicPr>
+          <p:nvPr/>
+        </p:nvPicPr>
+        <p:blipFill rotWithShape="1">
+          <a:blip r:embed="rId5" cstate="print">
+            <a:duotone>
+              <a:srgbClr val="70AD47">
+                <a:shade val="45000"/>
+                <a:satMod val="135000"/>
+              </a:srgbClr>
+              <a:prstClr val="white"/>
+            </a:duotone>
+            <a:extLst>
+              <a:ext uri="{28A0092B-C50C-407E-A947-70E740481C1C}">
+                <a14:useLocalDpi xmlns:a14="http://schemas.microsoft.com/office/drawing/2010/main" val="0"/>
+              </a:ext>
+            </a:extLst>
+          </a:blip>
+          <a:srcRect t="26890" r="60350"/>
+          <a:stretch/>
+        </p:blipFill>
+        <p:spPr>
+          <a:xfrm>
+            <a:off x="2647206" y="2293128"/>
+            <a:ext cx="848122" cy="812447"/>
+          </a:xfrm>
+          <a:prstGeom prst="rect">
+            <a:avLst/>
+          </a:prstGeom>
+        </p:spPr>
+      </p:pic>
+      <p:sp>
+        <p:nvSpPr>
+          <p:cNvPr id="43" name="Rectangle 42">
+            <a:extLst>
+              <a:ext uri="{FF2B5EF4-FFF2-40B4-BE49-F238E27FC236}">
+                <a16:creationId xmlns:a16="http://schemas.microsoft.com/office/drawing/2014/main" id="{F658059A-50D7-3942-A4EA-DC8C78A18F59}"/>
+              </a:ext>
+            </a:extLst>
+          </p:cNvPr>
+          <p:cNvSpPr/>
+          <p:nvPr/>
+        </p:nvSpPr>
+        <p:spPr>
+          <a:xfrm>
+            <a:off x="526456" y="1173209"/>
+            <a:ext cx="6404775" cy="644659"/>
+          </a:xfrm>
+          <a:prstGeom prst="rect">
+            <a:avLst/>
+          </a:prstGeom>
+          <a:solidFill>
+            <a:srgbClr val="70AD47">
+              <a:lumMod val="75000"/>
+            </a:srgbClr>
+          </a:solidFill>
+          <a:ln w="12700" cap="flat" cmpd="sng" algn="ctr">
+            <a:solidFill>
+              <a:srgbClr val="5B9BD5">
+                <a:shade val="50000"/>
+              </a:srgbClr>
+            </a:solidFill>
+            <a:prstDash val="solid"/>
+            <a:miter lim="800000"/>
+          </a:ln>
+          <a:effectLst/>
+        </p:spPr>
+        <p:txBody>
+          <a:bodyPr rtlCol="0" anchor="ctr"/>
+          <a:lstStyle/>
+          <a:p>
+            <a:pPr algn="ctr" defTabSz="1219170">
+              <a:defRPr/>
+            </a:pPr>
+            <a:r>
+              <a:rPr lang="en-US" sz="1867" kern="0" dirty="0">
+                <a:solidFill>
+                  <a:prstClr val="white"/>
+                </a:solidFill>
+                <a:latin typeface="Calibri" panose="020F0502020204030204"/>
+              </a:rPr>
+              <a:t>Query Engine</a:t>
+            </a:r>
+          </a:p>
+          <a:p>
+            <a:pPr algn="ctr" defTabSz="1219170">
+              <a:defRPr/>
+            </a:pPr>
+            <a:r>
+              <a:rPr lang="en-US" sz="1867" kern="0" dirty="0">
+                <a:solidFill>
+                  <a:prstClr val="white"/>
+                </a:solidFill>
+                <a:latin typeface="Calibri" panose="020F0502020204030204"/>
+              </a:rPr>
+              <a:t>(implements JSON-based VDMS API)</a:t>
+            </a:r>
+          </a:p>
+        </p:txBody>
+      </p:sp>
+      <p:sp>
+        <p:nvSpPr>
+          <p:cNvPr id="44" name="Rectangle 43">
+            <a:extLst>
+              <a:ext uri="{FF2B5EF4-FFF2-40B4-BE49-F238E27FC236}">
+                <a16:creationId xmlns:a16="http://schemas.microsoft.com/office/drawing/2014/main" id="{E3CD40A2-5F2D-B141-A6E0-581129D7DF59}"/>
+              </a:ext>
+            </a:extLst>
+          </p:cNvPr>
+          <p:cNvSpPr/>
+          <p:nvPr/>
+        </p:nvSpPr>
+        <p:spPr>
+          <a:xfrm>
+            <a:off x="528145" y="1882189"/>
+            <a:ext cx="4327546" cy="336709"/>
+          </a:xfrm>
+          <a:prstGeom prst="rect">
+            <a:avLst/>
+          </a:prstGeom>
+          <a:solidFill>
+            <a:srgbClr val="70AD47">
+              <a:lumMod val="75000"/>
+            </a:srgbClr>
+          </a:solidFill>
+          <a:ln w="12700" cap="flat" cmpd="sng" algn="ctr">
+            <a:solidFill>
+              <a:srgbClr val="5B9BD5">
+                <a:shade val="50000"/>
+              </a:srgbClr>
+            </a:solidFill>
+            <a:prstDash val="solid"/>
+            <a:miter lim="800000"/>
+          </a:ln>
+          <a:effectLst/>
+        </p:spPr>
+        <p:txBody>
+          <a:bodyPr rtlCol="0" anchor="ctr"/>
+          <a:lstStyle/>
+          <a:p>
+            <a:pPr algn="ctr" defTabSz="1219170">
+              <a:defRPr/>
+            </a:pPr>
+            <a:r>
+              <a:rPr lang="en-US" sz="1867" kern="0" dirty="0">
+                <a:solidFill>
+                  <a:prstClr val="white"/>
+                </a:solidFill>
+                <a:latin typeface="Calibri" panose="020F0502020204030204"/>
+              </a:rPr>
+              <a:t>Visual Compute Module</a:t>
+            </a:r>
+          </a:p>
+        </p:txBody>
+      </p:sp>
+      <p:sp>
+        <p:nvSpPr>
+          <p:cNvPr id="21" name="Rectangle 20">
+            <a:extLst>
+              <a:ext uri="{FF2B5EF4-FFF2-40B4-BE49-F238E27FC236}">
+                <a16:creationId xmlns:a16="http://schemas.microsoft.com/office/drawing/2014/main" id="{00F6447A-1318-D04B-AB3A-9A9ABACD397A}"/>
+              </a:ext>
+            </a:extLst>
+          </p:cNvPr>
+          <p:cNvSpPr/>
+          <p:nvPr/>
+        </p:nvSpPr>
+        <p:spPr>
+          <a:xfrm>
+            <a:off x="455660" y="3661675"/>
+            <a:ext cx="5415749" cy="649958"/>
+          </a:xfrm>
+          <a:prstGeom prst="rect">
+            <a:avLst/>
+          </a:prstGeom>
+          <a:noFill/>
+          <a:ln w="12700" cap="flat" cmpd="sng" algn="ctr">
+            <a:solidFill>
+              <a:srgbClr val="5B9BD5">
+                <a:shade val="50000"/>
+              </a:srgbClr>
+            </a:solidFill>
+            <a:prstDash val="solid"/>
+            <a:miter lim="800000"/>
+          </a:ln>
+          <a:effectLst/>
+        </p:spPr>
+        <p:txBody>
+          <a:bodyPr lIns="0" rIns="0" rtlCol="0" anchor="ctr"/>
+          <a:lstStyle/>
+          <a:p>
+            <a:pPr algn="ctr" defTabSz="1219170">
+              <a:defRPr/>
+            </a:pPr>
+            <a:r>
+              <a:rPr lang="en-US" sz="1867" kern="0" dirty="0">
+                <a:solidFill>
+                  <a:srgbClr val="2872C5"/>
+                </a:solidFill>
+                <a:latin typeface="Calibri" panose="020F0502020204030204"/>
+              </a:rPr>
+              <a:t>File System (Local or Distributed)</a:t>
+            </a:r>
+          </a:p>
+        </p:txBody>
+      </p:sp>
+      <p:sp>
+        <p:nvSpPr>
+          <p:cNvPr id="22" name="Rectangle 21">
+            <a:extLst>
+              <a:ext uri="{FF2B5EF4-FFF2-40B4-BE49-F238E27FC236}">
+                <a16:creationId xmlns:a16="http://schemas.microsoft.com/office/drawing/2014/main" id="{94C55277-20C1-ED42-B443-B9A54AB6A85A}"/>
+              </a:ext>
+            </a:extLst>
+          </p:cNvPr>
+          <p:cNvSpPr/>
+          <p:nvPr/>
+        </p:nvSpPr>
+        <p:spPr>
+          <a:xfrm>
+            <a:off x="5951619" y="3661675"/>
+            <a:ext cx="1069474" cy="649958"/>
+          </a:xfrm>
+          <a:prstGeom prst="rect">
+            <a:avLst/>
+          </a:prstGeom>
+          <a:noFill/>
+          <a:ln w="12700" cap="flat" cmpd="sng" algn="ctr">
+            <a:solidFill>
+              <a:srgbClr val="5B9BD5">
+                <a:shade val="50000"/>
+              </a:srgbClr>
+            </a:solidFill>
+            <a:prstDash val="solid"/>
+            <a:miter lim="800000"/>
+          </a:ln>
+          <a:effectLst/>
+        </p:spPr>
+        <p:txBody>
+          <a:bodyPr lIns="0" rIns="0" rtlCol="0" anchor="ctr"/>
+          <a:lstStyle/>
+          <a:p>
+            <a:pPr algn="ctr" defTabSz="1219170">
+              <a:defRPr/>
+            </a:pPr>
+            <a:endParaRPr lang="en-US" sz="1867" kern="0" dirty="0">
+              <a:solidFill>
+                <a:prstClr val="white"/>
+              </a:solidFill>
+              <a:latin typeface="Calibri" panose="020F0502020204030204"/>
+            </a:endParaRPr>
+          </a:p>
+        </p:txBody>
+      </p:sp>
+      <p:pic>
+        <p:nvPicPr>
+          <p:cNvPr id="4" name="Picture 3">
+            <a:extLst>
+              <a:ext uri="{FF2B5EF4-FFF2-40B4-BE49-F238E27FC236}">
+                <a16:creationId xmlns:a16="http://schemas.microsoft.com/office/drawing/2014/main" id="{25513212-BEF3-4140-9245-9CF7F0B1F37E}"/>
+              </a:ext>
+            </a:extLst>
+          </p:cNvPr>
+          <p:cNvPicPr>
+            <a:picLocks noChangeAspect="1"/>
+          </p:cNvPicPr>
+          <p:nvPr/>
+        </p:nvPicPr>
+        <p:blipFill>
+          <a:blip r:embed="rId6"/>
+          <a:stretch>
+            <a:fillRect/>
+          </a:stretch>
+        </p:blipFill>
+        <p:spPr>
+          <a:xfrm>
+            <a:off x="5981107" y="3869552"/>
+            <a:ext cx="1010497" cy="234204"/>
+          </a:xfrm>
+          <a:prstGeom prst="rect">
+            <a:avLst/>
+          </a:prstGeom>
+          <a:noFill/>
+        </p:spPr>
+      </p:pic>
+      <p:sp>
+        <p:nvSpPr>
+          <p:cNvPr id="26" name="Cube 25">
+            <a:extLst>
+              <a:ext uri="{FF2B5EF4-FFF2-40B4-BE49-F238E27FC236}">
+                <a16:creationId xmlns:a16="http://schemas.microsoft.com/office/drawing/2014/main" id="{592D1A7B-AC2A-4D4F-9D4E-F6AA00425DF8}"/>
+              </a:ext>
+            </a:extLst>
+          </p:cNvPr>
+          <p:cNvSpPr/>
+          <p:nvPr/>
+        </p:nvSpPr>
+        <p:spPr>
+          <a:xfrm>
+            <a:off x="455660" y="703372"/>
+            <a:ext cx="3298191" cy="354658"/>
+          </a:xfrm>
+          <a:prstGeom prst="cube">
+            <a:avLst>
+              <a:gd name="adj" fmla="val 0"/>
+            </a:avLst>
+          </a:prstGeom>
+          <a:solidFill>
+            <a:schemeClr val="tx2">
+              <a:lumMod val="20000"/>
+              <a:lumOff val="80000"/>
+            </a:schemeClr>
+          </a:solidFill>
+          <a:ln>
+            <a:solidFill>
+              <a:schemeClr val="bg2">
+                <a:lumMod val="50000"/>
+              </a:schemeClr>
+            </a:solidFill>
+          </a:ln>
+        </p:spPr>
+        <p:style>
+          <a:lnRef idx="2">
+            <a:schemeClr val="accent1">
+              <a:shade val="50000"/>
+            </a:schemeClr>
+          </a:lnRef>
+          <a:fillRef idx="1">
+            <a:schemeClr val="accent1"/>
+          </a:fillRef>
+          <a:effectRef idx="0">
+            <a:schemeClr val="accent1"/>
+          </a:effectRef>
+          <a:fontRef idx="minor">
+            <a:schemeClr val="lt1"/>
+          </a:fontRef>
+        </p:style>
+        <p:txBody>
+          <a:bodyPr lIns="0" tIns="0" rIns="0" bIns="0" rtlCol="0" anchor="ctr"/>
+          <a:lstStyle/>
+          <a:p>
+            <a:pPr algn="ctr"/>
+            <a:r>
+              <a:rPr lang="en-US" sz="1100" dirty="0">
+                <a:solidFill>
+                  <a:srgbClr val="2A2C7D"/>
+                </a:solidFill>
+                <a:latin typeface="Source Sans Pro SemiBold" panose="020B0603030403020204" pitchFamily="34" charset="0"/>
+                <a:ea typeface="Source Sans Pro SemiBold" panose="020B0603030403020204" pitchFamily="34" charset="0"/>
+              </a:rPr>
+              <a:t>Python Connector</a:t>
+            </a:r>
+          </a:p>
+        </p:txBody>
+      </p:sp>
+      <p:pic>
+        <p:nvPicPr>
+          <p:cNvPr id="27" name="Picture 2">
+            <a:extLst>
+              <a:ext uri="{FF2B5EF4-FFF2-40B4-BE49-F238E27FC236}">
+                <a16:creationId xmlns:a16="http://schemas.microsoft.com/office/drawing/2014/main" id="{BB943993-7013-C643-876B-D7017003DF63}"/>
+              </a:ext>
+            </a:extLst>
+          </p:cNvPr>
+          <p:cNvPicPr>
+            <a:picLocks noChangeAspect="1" noChangeArrowheads="1"/>
+          </p:cNvPicPr>
+          <p:nvPr/>
+        </p:nvPicPr>
+        <p:blipFill>
+          <a:blip r:embed="rId7">
+            <a:extLst>
+              <a:ext uri="{28A0092B-C50C-407E-A947-70E740481C1C}">
+                <a14:useLocalDpi xmlns:a14="http://schemas.microsoft.com/office/drawing/2010/main" val="0"/>
+              </a:ext>
+            </a:extLst>
+          </a:blip>
+          <a:srcRect/>
+          <a:stretch>
+            <a:fillRect/>
+          </a:stretch>
+        </p:blipFill>
+        <p:spPr bwMode="auto">
+          <a:xfrm>
+            <a:off x="1157964" y="730325"/>
+            <a:ext cx="311422" cy="311422"/>
+          </a:xfrm>
+          <a:prstGeom prst="rect">
+            <a:avLst/>
+          </a:prstGeom>
+          <a:noFill/>
+          <a:extLst>
+            <a:ext uri="{909E8E84-426E-40DD-AFC4-6F175D3DCCD1}">
+              <a14:hiddenFill xmlns:a14="http://schemas.microsoft.com/office/drawing/2010/main">
+                <a:solidFill>
+                  <a:srgbClr val="FFFFFF"/>
+                </a:solidFill>
+              </a14:hiddenFill>
+            </a:ext>
+          </a:extLst>
+        </p:spPr>
+      </p:pic>
+      <p:sp>
+        <p:nvSpPr>
+          <p:cNvPr id="28" name="Cube 27">
+            <a:extLst>
+              <a:ext uri="{FF2B5EF4-FFF2-40B4-BE49-F238E27FC236}">
+                <a16:creationId xmlns:a16="http://schemas.microsoft.com/office/drawing/2014/main" id="{A2DE9B7E-CA9A-2B42-AD91-9CF0C115BF4C}"/>
+              </a:ext>
+            </a:extLst>
+          </p:cNvPr>
+          <p:cNvSpPr/>
+          <p:nvPr/>
+        </p:nvSpPr>
+        <p:spPr>
+          <a:xfrm>
+            <a:off x="3801525" y="703372"/>
+            <a:ext cx="3219568" cy="354658"/>
+          </a:xfrm>
+          <a:prstGeom prst="cube">
+            <a:avLst>
+              <a:gd name="adj" fmla="val 0"/>
+            </a:avLst>
+          </a:prstGeom>
+          <a:solidFill>
+            <a:schemeClr val="tx2">
+              <a:lumMod val="20000"/>
+              <a:lumOff val="80000"/>
+            </a:schemeClr>
+          </a:solidFill>
+          <a:ln>
+            <a:solidFill>
+              <a:schemeClr val="bg2">
+                <a:lumMod val="50000"/>
+              </a:schemeClr>
+            </a:solidFill>
+          </a:ln>
+        </p:spPr>
+        <p:style>
+          <a:lnRef idx="2">
+            <a:schemeClr val="accent1">
+              <a:shade val="50000"/>
+            </a:schemeClr>
+          </a:lnRef>
+          <a:fillRef idx="1">
+            <a:schemeClr val="accent1"/>
+          </a:fillRef>
+          <a:effectRef idx="0">
+            <a:schemeClr val="accent1"/>
+          </a:effectRef>
+          <a:fontRef idx="minor">
+            <a:schemeClr val="lt1"/>
+          </a:fontRef>
+        </p:style>
+        <p:txBody>
+          <a:bodyPr lIns="0" tIns="0" rIns="0" bIns="0" rtlCol="0" anchor="ctr"/>
+          <a:lstStyle/>
+          <a:p>
+            <a:pPr algn="ctr"/>
+            <a:r>
+              <a:rPr lang="en-US" sz="1100" dirty="0">
+                <a:solidFill>
+                  <a:srgbClr val="2A2C7D"/>
+                </a:solidFill>
+                <a:latin typeface="Source Sans Pro SemiBold" panose="020B0603030403020204" pitchFamily="34" charset="0"/>
+                <a:ea typeface="Source Sans Pro SemiBold" panose="020B0603030403020204" pitchFamily="34" charset="0"/>
+              </a:rPr>
+              <a:t>C++ Connector</a:t>
+            </a:r>
+          </a:p>
+        </p:txBody>
+      </p:sp>
+      <p:pic>
+        <p:nvPicPr>
+          <p:cNvPr id="29" name="Picture 6" descr="Download C++ Logo in SVG Vector or PNG File Format - Logo.wine">
+            <a:extLst>
+              <a:ext uri="{FF2B5EF4-FFF2-40B4-BE49-F238E27FC236}">
+                <a16:creationId xmlns:a16="http://schemas.microsoft.com/office/drawing/2014/main" id="{FE2319E7-EE35-334C-A851-6CFE4FA6823A}"/>
+              </a:ext>
+            </a:extLst>
+          </p:cNvPr>
+          <p:cNvPicPr>
+            <a:picLocks noChangeAspect="1" noChangeArrowheads="1"/>
+          </p:cNvPicPr>
+          <p:nvPr/>
+        </p:nvPicPr>
+        <p:blipFill>
+          <a:blip r:embed="rId8">
+            <a:extLst>
+              <a:ext uri="{28A0092B-C50C-407E-A947-70E740481C1C}">
+                <a14:useLocalDpi xmlns:a14="http://schemas.microsoft.com/office/drawing/2010/main" val="0"/>
+              </a:ext>
+            </a:extLst>
+          </a:blip>
+          <a:stretch>
+            <a:fillRect/>
+          </a:stretch>
+        </p:blipFill>
+        <p:spPr bwMode="auto">
+          <a:xfrm>
+            <a:off x="4379490" y="642485"/>
+            <a:ext cx="724029" cy="482686"/>
+          </a:xfrm>
+          <a:prstGeom prst="rect">
+            <a:avLst/>
+          </a:prstGeom>
+          <a:noFill/>
+          <a:extLst>
+            <a:ext uri="{909E8E84-426E-40DD-AFC4-6F175D3DCCD1}">
+              <a14:hiddenFill xmlns:a14="http://schemas.microsoft.com/office/drawing/2010/main">
+                <a:solidFill>
+                  <a:srgbClr val="FFFFFF"/>
+                </a:solidFill>
+              </a14:hiddenFill>
+            </a:ext>
+          </a:extLst>
+        </p:spPr>
+      </p:pic>
+      <p:sp>
+        <p:nvSpPr>
+          <p:cNvPr id="30" name="Rectangle 29">
+            <a:extLst>
+              <a:ext uri="{FF2B5EF4-FFF2-40B4-BE49-F238E27FC236}">
+                <a16:creationId xmlns:a16="http://schemas.microsoft.com/office/drawing/2014/main" id="{6DBB5F2F-47FC-0B4D-86F3-7A9F0821FC2E}"/>
+              </a:ext>
+            </a:extLst>
+          </p:cNvPr>
+          <p:cNvSpPr/>
+          <p:nvPr/>
+        </p:nvSpPr>
+        <p:spPr>
+          <a:xfrm>
+            <a:off x="455660" y="1106068"/>
+            <a:ext cx="6565433" cy="2502135"/>
+          </a:xfrm>
+          <a:prstGeom prst="rect">
+            <a:avLst/>
+          </a:prstGeom>
+          <a:noFill/>
+          <a:ln w="12700" cap="flat" cmpd="sng" algn="ctr">
+            <a:solidFill>
+              <a:srgbClr val="5B9BD5">
+                <a:shade val="50000"/>
+              </a:srgbClr>
+            </a:solidFill>
+            <a:prstDash val="solid"/>
+            <a:miter lim="800000"/>
+          </a:ln>
+          <a:effectLst/>
+        </p:spPr>
+        <p:txBody>
+          <a:bodyPr lIns="0" rIns="0" rtlCol="0" anchor="ctr"/>
+          <a:lstStyle/>
+          <a:p>
+            <a:pPr algn="ctr" defTabSz="1219170">
+              <a:defRPr/>
+            </a:pPr>
+            <a:endParaRPr lang="en-US" sz="1867" kern="0" dirty="0">
+              <a:solidFill>
+                <a:prstClr val="white"/>
+              </a:solidFill>
+              <a:latin typeface="Calibri" panose="020F0502020204030204"/>
+            </a:endParaRPr>
+          </a:p>
+        </p:txBody>
+      </p:sp>
+      <p:sp>
+        <p:nvSpPr>
+          <p:cNvPr id="3" name="TextBox 2">
+            <a:extLst>
+              <a:ext uri="{FF2B5EF4-FFF2-40B4-BE49-F238E27FC236}">
+                <a16:creationId xmlns:a16="http://schemas.microsoft.com/office/drawing/2014/main" id="{FDD4E8A8-9AEB-4843-AAA5-17FBE05E1EE3}"/>
+              </a:ext>
+            </a:extLst>
+          </p:cNvPr>
+          <p:cNvSpPr txBox="1"/>
+          <p:nvPr/>
+        </p:nvSpPr>
+        <p:spPr>
+          <a:xfrm rot="16200000">
+            <a:off x="-362199" y="2071590"/>
+            <a:ext cx="1335494" cy="369332"/>
+          </a:xfrm>
+          <a:prstGeom prst="rect">
+            <a:avLst/>
+          </a:prstGeom>
+          <a:noFill/>
+        </p:spPr>
+        <p:txBody>
+          <a:bodyPr wrap="none" rtlCol="0">
+            <a:spAutoFit/>
+          </a:bodyPr>
+          <a:lstStyle/>
+          <a:p>
+            <a:r>
+              <a:rPr lang="en-US" dirty="0"/>
+              <a:t>VDMS Server</a:t>
+            </a:r>
+          </a:p>
+        </p:txBody>
+      </p:sp>
+      <p:sp>
+        <p:nvSpPr>
+          <p:cNvPr id="32" name="Rectangle 31">
+            <a:extLst>
+              <a:ext uri="{FF2B5EF4-FFF2-40B4-BE49-F238E27FC236}">
+                <a16:creationId xmlns:a16="http://schemas.microsoft.com/office/drawing/2014/main" id="{D06087B3-3854-1E45-87F3-779CAD8D2296}"/>
+              </a:ext>
+            </a:extLst>
+          </p:cNvPr>
+          <p:cNvSpPr/>
+          <p:nvPr/>
+        </p:nvSpPr>
+        <p:spPr>
+          <a:xfrm>
+            <a:off x="2575570" y="3184317"/>
+            <a:ext cx="991395" cy="370380"/>
+          </a:xfrm>
+          <a:prstGeom prst="rect">
+            <a:avLst/>
+          </a:prstGeom>
+          <a:solidFill>
+            <a:srgbClr val="70AD47">
+              <a:lumMod val="75000"/>
+            </a:srgbClr>
+          </a:solidFill>
+          <a:ln w="12700" cap="flat" cmpd="sng" algn="ctr">
+            <a:solidFill>
+              <a:srgbClr val="5B9BD5">
+                <a:shade val="50000"/>
+              </a:srgbClr>
+            </a:solidFill>
+            <a:prstDash val="solid"/>
+            <a:miter lim="800000"/>
+          </a:ln>
+          <a:effectLst/>
+        </p:spPr>
+        <p:txBody>
+          <a:bodyPr rtlCol="0" anchor="ctr"/>
+          <a:lstStyle/>
+          <a:p>
+            <a:pPr algn="ctr" defTabSz="1219170">
+              <a:defRPr/>
+            </a:pPr>
+            <a:r>
+              <a:rPr lang="en-US" sz="1200" kern="0" dirty="0" err="1">
+                <a:solidFill>
+                  <a:prstClr val="white"/>
+                </a:solidFill>
+                <a:latin typeface="Calibri" panose="020F0502020204030204"/>
+              </a:rPr>
+              <a:t>Faiss</a:t>
+            </a:r>
+            <a:r>
+              <a:rPr lang="en-US" sz="1200" kern="0" dirty="0">
+                <a:solidFill>
+                  <a:prstClr val="white"/>
+                </a:solidFill>
+                <a:latin typeface="Calibri" panose="020F0502020204030204"/>
+              </a:rPr>
+              <a:t>/Others</a:t>
+            </a:r>
+          </a:p>
+        </p:txBody>
+      </p:sp>
+      <p:sp>
+        <p:nvSpPr>
+          <p:cNvPr id="33" name="Rectangle 32">
+            <a:extLst>
+              <a:ext uri="{FF2B5EF4-FFF2-40B4-BE49-F238E27FC236}">
+                <a16:creationId xmlns:a16="http://schemas.microsoft.com/office/drawing/2014/main" id="{B3F4DA3E-CFF8-B24F-BF98-B5B95573FBFA}"/>
+              </a:ext>
+            </a:extLst>
+          </p:cNvPr>
+          <p:cNvSpPr/>
+          <p:nvPr/>
+        </p:nvSpPr>
+        <p:spPr>
+          <a:xfrm>
+            <a:off x="1561935" y="3184317"/>
+            <a:ext cx="991395" cy="370380"/>
+          </a:xfrm>
+          <a:prstGeom prst="rect">
+            <a:avLst/>
+          </a:prstGeom>
+          <a:solidFill>
+            <a:srgbClr val="70AD47">
+              <a:lumMod val="75000"/>
+            </a:srgbClr>
+          </a:solidFill>
+          <a:ln w="12700" cap="flat" cmpd="sng" algn="ctr">
+            <a:solidFill>
+              <a:srgbClr val="5B9BD5">
+                <a:shade val="50000"/>
+              </a:srgbClr>
+            </a:solidFill>
+            <a:prstDash val="solid"/>
+            <a:miter lim="800000"/>
+          </a:ln>
+          <a:effectLst/>
+        </p:spPr>
+        <p:txBody>
+          <a:bodyPr rtlCol="0" anchor="ctr"/>
+          <a:lstStyle/>
+          <a:p>
+            <a:pPr algn="ctr" defTabSz="1219170">
+              <a:defRPr/>
+            </a:pPr>
+            <a:r>
+              <a:rPr lang="en-US" sz="1200" kern="0" dirty="0">
+                <a:solidFill>
+                  <a:prstClr val="white"/>
+                </a:solidFill>
+                <a:latin typeface="Calibri" panose="020F0502020204030204"/>
+              </a:rPr>
+              <a:t>OpenCV</a:t>
+            </a:r>
+          </a:p>
+        </p:txBody>
+      </p:sp>
+      <p:sp>
+        <p:nvSpPr>
+          <p:cNvPr id="38" name="Rectangle 37">
+            <a:extLst>
+              <a:ext uri="{FF2B5EF4-FFF2-40B4-BE49-F238E27FC236}">
+                <a16:creationId xmlns:a16="http://schemas.microsoft.com/office/drawing/2014/main" id="{6B91FCEB-217C-1645-BA02-AB3989007BA5}"/>
+              </a:ext>
+            </a:extLst>
+          </p:cNvPr>
+          <p:cNvSpPr/>
+          <p:nvPr/>
+        </p:nvSpPr>
+        <p:spPr>
+          <a:xfrm>
+            <a:off x="3589205" y="3179807"/>
+            <a:ext cx="1266486" cy="370380"/>
+          </a:xfrm>
+          <a:prstGeom prst="rect">
+            <a:avLst/>
+          </a:prstGeom>
+          <a:solidFill>
+            <a:srgbClr val="70AD47">
+              <a:lumMod val="75000"/>
+            </a:srgbClr>
+          </a:solidFill>
+          <a:ln w="12700" cap="flat" cmpd="sng" algn="ctr">
+            <a:solidFill>
+              <a:srgbClr val="5B9BD5">
+                <a:shade val="50000"/>
+              </a:srgbClr>
+            </a:solidFill>
+            <a:prstDash val="solid"/>
+            <a:miter lim="800000"/>
+          </a:ln>
+          <a:effectLst/>
+        </p:spPr>
+        <p:txBody>
+          <a:bodyPr rtlCol="0" anchor="ctr"/>
+          <a:lstStyle/>
+          <a:p>
+            <a:pPr algn="ctr" defTabSz="1219170">
+              <a:defRPr/>
+            </a:pPr>
+            <a:r>
+              <a:rPr lang="en-US" sz="1200" kern="0" dirty="0">
+                <a:solidFill>
+                  <a:prstClr val="white"/>
+                </a:solidFill>
+                <a:latin typeface="Calibri" panose="020F0502020204030204"/>
+              </a:rPr>
+              <a:t>FFMPEG</a:t>
+            </a:r>
+          </a:p>
+        </p:txBody>
+      </p:sp>
+    </p:spTree>
+    <p:extLst>
+      <p:ext uri="{BB962C8B-B14F-4D97-AF65-F5344CB8AC3E}">
+        <p14:creationId xmlns:p14="http://schemas.microsoft.com/office/powerpoint/2010/main" val="3505215964"/>
+      </p:ext>
+    </p:extLst>
+  </p:cSld>
+  <p:clrMapOvr>
+    <a:masterClrMapping/>
+  </p:clrMapOvr>
+  <p:timing>
+    <p:tnLst>
+      <p:par>
+        <p:cTn id="1" dur="indefinite" restart="never" nodeType="tmRoot">
+          <p:childTnLst>
+            <p:seq concurrent="1" nextAc="seek">
+              <p:cTn id="2" dur="indefinite" nodeType="mainSeq">
+                <p:childTnLst>
+                  <p:par>
+                    <p:cTn id="3" fill="hold">
+                      <p:stCondLst>
+                        <p:cond delay="indefinite"/>
+                      </p:stCondLst>
+                      <p:childTnLst>
+                        <p:par>
+                          <p:cTn id="4" fill="hold">
+                            <p:stCondLst>
+                              <p:cond delay="0"/>
+                            </p:stCondLst>
+                            <p:childTnLst>
+                              <p:par>
+                                <p:cTn id="5" presetID="1" presetClass="entr" presetSubtype="0" fill="hold" grpId="0" nodeType="clickEffect">
+                                  <p:stCondLst>
+                                    <p:cond delay="0"/>
+                                  </p:stCondLst>
+                                  <p:childTnLst>
+                                    <p:set>
+                                      <p:cBhvr>
+                                        <p:cTn id="6" dur="1" fill="hold">
+                                          <p:stCondLst>
+                                            <p:cond delay="0"/>
+                                          </p:stCondLst>
+                                        </p:cTn>
+                                        <p:tgtEl>
+                                          <p:spTgt spid="26"/>
+                                        </p:tgtEl>
+                                        <p:attrNameLst>
+                                          <p:attrName>style.visibility</p:attrName>
+                                        </p:attrNameLst>
+                                      </p:cBhvr>
+                                      <p:to>
+                                        <p:strVal val="visible"/>
+                                      </p:to>
+                                    </p:set>
+                                  </p:childTnLst>
+                                </p:cTn>
+                              </p:par>
+                              <p:par>
+                                <p:cTn id="7" presetID="1" presetClass="entr" presetSubtype="0" fill="hold" nodeType="withEffect">
+                                  <p:stCondLst>
+                                    <p:cond delay="0"/>
+                                  </p:stCondLst>
+                                  <p:childTnLst>
+                                    <p:set>
+                                      <p:cBhvr>
+                                        <p:cTn id="8" dur="1" fill="hold">
+                                          <p:stCondLst>
+                                            <p:cond delay="0"/>
+                                          </p:stCondLst>
+                                        </p:cTn>
+                                        <p:tgtEl>
+                                          <p:spTgt spid="27"/>
+                                        </p:tgtEl>
+                                        <p:attrNameLst>
+                                          <p:attrName>style.visibility</p:attrName>
+                                        </p:attrNameLst>
+                                      </p:cBhvr>
+                                      <p:to>
+                                        <p:strVal val="visible"/>
+                                      </p:to>
+                                    </p:set>
+                                  </p:childTnLst>
+                                </p:cTn>
+                              </p:par>
+                            </p:childTnLst>
+                          </p:cTn>
+                        </p:par>
+                      </p:childTnLst>
+                    </p:cTn>
+                  </p:par>
+                  <p:par>
+                    <p:cTn id="9" fill="hold">
+                      <p:stCondLst>
+                        <p:cond delay="indefinite"/>
+                      </p:stCondLst>
+                      <p:childTnLst>
+                        <p:par>
+                          <p:cTn id="10" fill="hold">
+                            <p:stCondLst>
+                              <p:cond delay="0"/>
+                            </p:stCondLst>
+                            <p:childTnLst>
+                              <p:par>
+                                <p:cTn id="11" presetID="1" presetClass="entr" presetSubtype="0" fill="hold" grpId="0" nodeType="clickEffect">
+                                  <p:stCondLst>
+                                    <p:cond delay="0"/>
+                                  </p:stCondLst>
+                                  <p:childTnLst>
+                                    <p:set>
+                                      <p:cBhvr>
+                                        <p:cTn id="12" dur="1" fill="hold">
+                                          <p:stCondLst>
+                                            <p:cond delay="0"/>
+                                          </p:stCondLst>
+                                        </p:cTn>
+                                        <p:tgtEl>
+                                          <p:spTgt spid="28"/>
+                                        </p:tgtEl>
+                                        <p:attrNameLst>
+                                          <p:attrName>style.visibility</p:attrName>
+                                        </p:attrNameLst>
+                                      </p:cBhvr>
+                                      <p:to>
+                                        <p:strVal val="visible"/>
+                                      </p:to>
+                                    </p:set>
+                                  </p:childTnLst>
+                                </p:cTn>
+                              </p:par>
+                            </p:childTnLst>
+                          </p:cTn>
+                        </p:par>
+                      </p:childTnLst>
+                    </p:cTn>
+                  </p:par>
+                  <p:par>
+                    <p:cTn id="13" fill="hold">
+                      <p:stCondLst>
+                        <p:cond delay="indefinite"/>
+                      </p:stCondLst>
+                      <p:childTnLst>
+                        <p:par>
+                          <p:cTn id="14" fill="hold">
+                            <p:stCondLst>
+                              <p:cond delay="0"/>
+                            </p:stCondLst>
+                            <p:childTnLst>
+                              <p:par>
+                                <p:cTn id="15" presetID="1" presetClass="entr" presetSubtype="0" fill="hold" nodeType="clickEffect">
+                                  <p:stCondLst>
+                                    <p:cond delay="0"/>
+                                  </p:stCondLst>
+                                  <p:childTnLst>
+                                    <p:set>
+                                      <p:cBhvr>
+                                        <p:cTn id="16" dur="1" fill="hold">
+                                          <p:stCondLst>
+                                            <p:cond delay="0"/>
+                                          </p:stCondLst>
+                                        </p:cTn>
+                                        <p:tgtEl>
+                                          <p:spTgt spid="29"/>
+                                        </p:tgtEl>
+                                        <p:attrNameLst>
+                                          <p:attrName>style.visibility</p:attrName>
+                                        </p:attrNameLst>
+                                      </p:cBhvr>
+                                      <p:to>
+                                        <p:strVal val="visible"/>
+                                      </p:to>
+                                    </p:set>
+                                  </p:childTnLst>
+                                </p:cTn>
+                              </p:par>
+                            </p:childTnLst>
+                          </p:cTn>
+                        </p:par>
+                      </p:childTnLst>
+                    </p:cTn>
+                  </p:par>
+                </p:childTnLst>
+              </p:cTn>
+              <p:prevCondLst>
+                <p:cond evt="onPrev" delay="0">
+                  <p:tgtEl>
+                    <p:sldTgt/>
+                  </p:tgtEl>
+                </p:cond>
+              </p:prevCondLst>
+              <p:nextCondLst>
+                <p:cond evt="onNext" delay="0">
+                  <p:tgtEl>
+                    <p:sldTgt/>
+                  </p:tgtEl>
+                </p:cond>
+              </p:nextCondLst>
+            </p:seq>
+          </p:childTnLst>
+        </p:cTn>
+      </p:par>
+    </p:tnLst>
+    <p:bldLst>
+      <p:bldP spid="26" grpId="0" animBg="1"/>
+      <p:bldP spid="28" grpId="0" animBg="1"/>
+    </p:bldLst>
+  </p:timing>
+</p:sld>
+</file>
+
+<file path=ppt/slides/slide2.xml><?xml version="1.0" encoding="utf-8"?>
 <p:sld xmlns:a="http://schemas.openxmlformats.org/drawingml/2006/main" xmlns:r="http://schemas.openxmlformats.org/officeDocument/2006/relationships" xmlns:p="http://schemas.openxmlformats.org/presentationml/2006/main">
   <p:cSld>
     <p:spTree>
@@ -3852,720 +5155,6 @@
 </p:sld>
 </file>
 
-<file path=ppt/slides/slide2.xml><?xml version="1.0" encoding="utf-8"?>
-<p:sld xmlns:a="http://schemas.openxmlformats.org/drawingml/2006/main" xmlns:r="http://schemas.openxmlformats.org/officeDocument/2006/relationships" xmlns:p="http://schemas.openxmlformats.org/presentationml/2006/main">
-  <p:cSld>
-    <p:spTree>
-      <p:nvGrpSpPr>
-        <p:cNvPr id="1" name=""/>
-        <p:cNvGrpSpPr/>
-        <p:nvPr/>
-      </p:nvGrpSpPr>
-      <p:grpSpPr>
-        <a:xfrm>
-          <a:off x="0" y="0"/>
-          <a:ext cx="0" cy="0"/>
-          <a:chOff x="0" y="0"/>
-          <a:chExt cx="0" cy="0"/>
-        </a:xfrm>
-      </p:grpSpPr>
-      <p:sp>
-        <p:nvSpPr>
-          <p:cNvPr id="34" name="Rectangle 33">
-            <a:extLst>
-              <a:ext uri="{FF2B5EF4-FFF2-40B4-BE49-F238E27FC236}">
-                <a16:creationId xmlns:a16="http://schemas.microsoft.com/office/drawing/2014/main" id="{5B322239-E5C0-6A47-87ED-50DA6742C94F}"/>
-              </a:ext>
-            </a:extLst>
-          </p:cNvPr>
-          <p:cNvSpPr/>
-          <p:nvPr/>
-        </p:nvSpPr>
-        <p:spPr>
-          <a:xfrm>
-            <a:off x="456660" y="2664075"/>
-            <a:ext cx="2136473" cy="370380"/>
-          </a:xfrm>
-          <a:prstGeom prst="rect">
-            <a:avLst/>
-          </a:prstGeom>
-          <a:solidFill>
-            <a:srgbClr val="70AD47">
-              <a:lumMod val="75000"/>
-            </a:srgbClr>
-          </a:solidFill>
-          <a:ln w="12700" cap="flat" cmpd="sng" algn="ctr">
-            <a:solidFill>
-              <a:srgbClr val="5B9BD5">
-                <a:shade val="50000"/>
-              </a:srgbClr>
-            </a:solidFill>
-            <a:prstDash val="solid"/>
-            <a:miter lim="800000"/>
-          </a:ln>
-          <a:effectLst/>
-        </p:spPr>
-        <p:txBody>
-          <a:bodyPr rtlCol="0" anchor="ctr"/>
-          <a:lstStyle/>
-          <a:p>
-            <a:pPr algn="ctr" defTabSz="1219170">
-              <a:defRPr/>
-            </a:pPr>
-            <a:r>
-              <a:rPr lang="en-US" sz="1867" kern="0" dirty="0">
-                <a:solidFill>
-                  <a:prstClr val="white"/>
-                </a:solidFill>
-                <a:latin typeface="Calibri" panose="020F0502020204030204"/>
-              </a:rPr>
-              <a:t>TileDB</a:t>
-            </a:r>
-          </a:p>
-        </p:txBody>
-      </p:sp>
-      <p:pic>
-        <p:nvPicPr>
-          <p:cNvPr id="35" name="Picture 34">
-            <a:extLst>
-              <a:ext uri="{FF2B5EF4-FFF2-40B4-BE49-F238E27FC236}">
-                <a16:creationId xmlns:a16="http://schemas.microsoft.com/office/drawing/2014/main" id="{608AB0EF-498F-1E4E-B7B1-D8EBF4D34AB3}"/>
-              </a:ext>
-            </a:extLst>
-          </p:cNvPr>
-          <p:cNvPicPr>
-            <a:picLocks noChangeAspect="1"/>
-          </p:cNvPicPr>
-          <p:nvPr/>
-        </p:nvPicPr>
-        <p:blipFill rotWithShape="1">
-          <a:blip r:embed="rId2" cstate="print">
-            <a:duotone>
-              <a:srgbClr val="70AD47">
-                <a:shade val="45000"/>
-                <a:satMod val="135000"/>
-              </a:srgbClr>
-              <a:prstClr val="white"/>
-            </a:duotone>
-            <a:extLst>
-              <a:ext uri="{28A0092B-C50C-407E-A947-70E740481C1C}">
-                <a14:useLocalDpi xmlns:a14="http://schemas.microsoft.com/office/drawing/2010/main" val="0"/>
-              </a:ext>
-            </a:extLst>
-          </a:blip>
-          <a:srcRect/>
-          <a:stretch/>
-        </p:blipFill>
-        <p:spPr>
-          <a:xfrm>
-            <a:off x="758874" y="1382194"/>
-            <a:ext cx="991395" cy="812447"/>
-          </a:xfrm>
-          <a:prstGeom prst="rect">
-            <a:avLst/>
-          </a:prstGeom>
-        </p:spPr>
-      </p:pic>
-      <p:sp>
-        <p:nvSpPr>
-          <p:cNvPr id="36" name="Rectangle 35">
-            <a:extLst>
-              <a:ext uri="{FF2B5EF4-FFF2-40B4-BE49-F238E27FC236}">
-                <a16:creationId xmlns:a16="http://schemas.microsoft.com/office/drawing/2014/main" id="{E718F259-0ABF-FD48-998B-CB97F0684250}"/>
-              </a:ext>
-            </a:extLst>
-          </p:cNvPr>
-          <p:cNvSpPr/>
-          <p:nvPr/>
-        </p:nvSpPr>
-        <p:spPr>
-          <a:xfrm>
-            <a:off x="4838806" y="2286322"/>
-            <a:ext cx="2033805" cy="748134"/>
-          </a:xfrm>
-          <a:prstGeom prst="rect">
-            <a:avLst/>
-          </a:prstGeom>
-          <a:solidFill>
-            <a:srgbClr val="70AD47">
-              <a:lumMod val="75000"/>
-            </a:srgbClr>
-          </a:solidFill>
-          <a:ln w="12700" cap="flat" cmpd="sng" algn="ctr">
-            <a:solidFill>
-              <a:srgbClr val="5B9BD5">
-                <a:shade val="50000"/>
-              </a:srgbClr>
-            </a:solidFill>
-            <a:prstDash val="solid"/>
-            <a:miter lim="800000"/>
-          </a:ln>
-          <a:effectLst/>
-        </p:spPr>
-        <p:txBody>
-          <a:bodyPr lIns="0" rIns="0" rtlCol="0" anchor="ctr"/>
-          <a:lstStyle/>
-          <a:p>
-            <a:pPr algn="ctr" defTabSz="1219170">
-              <a:defRPr/>
-            </a:pPr>
-            <a:r>
-              <a:rPr lang="en-US" sz="1867" kern="0" dirty="0">
-                <a:solidFill>
-                  <a:prstClr val="white"/>
-                </a:solidFill>
-                <a:latin typeface="Calibri" panose="020F0502020204030204"/>
-              </a:rPr>
-              <a:t>Persistent Memory</a:t>
-            </a:r>
-          </a:p>
-          <a:p>
-            <a:pPr algn="ctr" defTabSz="1219170">
-              <a:defRPr/>
-            </a:pPr>
-            <a:r>
-              <a:rPr lang="en-US" sz="1867" kern="0" dirty="0">
-                <a:solidFill>
-                  <a:prstClr val="white"/>
-                </a:solidFill>
-                <a:latin typeface="Calibri" panose="020F0502020204030204"/>
-              </a:rPr>
-              <a:t>Graph DB</a:t>
-            </a:r>
-          </a:p>
-        </p:txBody>
-      </p:sp>
-      <p:sp>
-        <p:nvSpPr>
-          <p:cNvPr id="37" name="Rectangle 36">
-            <a:extLst>
-              <a:ext uri="{FF2B5EF4-FFF2-40B4-BE49-F238E27FC236}">
-                <a16:creationId xmlns:a16="http://schemas.microsoft.com/office/drawing/2014/main" id="{39BD475E-AFA0-C047-A8D9-B93D24B111B6}"/>
-              </a:ext>
-            </a:extLst>
-          </p:cNvPr>
-          <p:cNvSpPr/>
-          <p:nvPr/>
-        </p:nvSpPr>
-        <p:spPr>
-          <a:xfrm>
-            <a:off x="442589" y="186461"/>
-            <a:ext cx="6404775" cy="636294"/>
-          </a:xfrm>
-          <a:prstGeom prst="rect">
-            <a:avLst/>
-          </a:prstGeom>
-          <a:solidFill>
-            <a:srgbClr val="5B9BD5"/>
-          </a:solidFill>
-          <a:ln w="12700" cap="flat" cmpd="sng" algn="ctr">
-            <a:solidFill>
-              <a:srgbClr val="5B9BD5">
-                <a:shade val="50000"/>
-              </a:srgbClr>
-            </a:solidFill>
-            <a:prstDash val="solid"/>
-            <a:miter lim="800000"/>
-          </a:ln>
-          <a:effectLst/>
-        </p:spPr>
-        <p:txBody>
-          <a:bodyPr rtlCol="0" anchor="ctr"/>
-          <a:lstStyle/>
-          <a:p>
-            <a:pPr algn="ctr" defTabSz="1219170">
-              <a:defRPr/>
-            </a:pPr>
-            <a:r>
-              <a:rPr lang="en-US" sz="1867" kern="0" dirty="0">
-                <a:solidFill>
-                  <a:prstClr val="white"/>
-                </a:solidFill>
-                <a:latin typeface="Calibri" panose="020F0502020204030204"/>
-              </a:rPr>
-              <a:t>Applications</a:t>
-            </a:r>
-          </a:p>
-        </p:txBody>
-      </p:sp>
-      <p:sp>
-        <p:nvSpPr>
-          <p:cNvPr id="39" name="Rectangle 38">
-            <a:extLst>
-              <a:ext uri="{FF2B5EF4-FFF2-40B4-BE49-F238E27FC236}">
-                <a16:creationId xmlns:a16="http://schemas.microsoft.com/office/drawing/2014/main" id="{DE0A367F-DA2A-6644-8636-B23898AC4165}"/>
-              </a:ext>
-            </a:extLst>
-          </p:cNvPr>
-          <p:cNvSpPr/>
-          <p:nvPr/>
-        </p:nvSpPr>
-        <p:spPr>
-          <a:xfrm>
-            <a:off x="2647734" y="2664075"/>
-            <a:ext cx="2136473" cy="370380"/>
-          </a:xfrm>
-          <a:prstGeom prst="rect">
-            <a:avLst/>
-          </a:prstGeom>
-          <a:solidFill>
-            <a:srgbClr val="70AD47">
-              <a:lumMod val="75000"/>
-            </a:srgbClr>
-          </a:solidFill>
-          <a:ln w="12700" cap="flat" cmpd="sng" algn="ctr">
-            <a:solidFill>
-              <a:srgbClr val="5B9BD5">
-                <a:shade val="50000"/>
-              </a:srgbClr>
-            </a:solidFill>
-            <a:prstDash val="solid"/>
-            <a:miter lim="800000"/>
-          </a:ln>
-          <a:effectLst/>
-        </p:spPr>
-        <p:txBody>
-          <a:bodyPr rtlCol="0" anchor="ctr"/>
-          <a:lstStyle/>
-          <a:p>
-            <a:pPr algn="ctr" defTabSz="1219170">
-              <a:defRPr/>
-            </a:pPr>
-            <a:r>
-              <a:rPr lang="en-US" sz="1867" kern="0" dirty="0">
-                <a:solidFill>
-                  <a:prstClr val="white"/>
-                </a:solidFill>
-                <a:latin typeface="Calibri" panose="020F0502020204030204"/>
-              </a:rPr>
-              <a:t>OpenCV</a:t>
-            </a:r>
-          </a:p>
-        </p:txBody>
-      </p:sp>
-      <p:pic>
-        <p:nvPicPr>
-          <p:cNvPr id="40" name="Picture 39">
-            <a:extLst>
-              <a:ext uri="{FF2B5EF4-FFF2-40B4-BE49-F238E27FC236}">
-                <a16:creationId xmlns:a16="http://schemas.microsoft.com/office/drawing/2014/main" id="{412C85FE-EA1E-E541-A4B7-C2CED1F7A5CF}"/>
-              </a:ext>
-            </a:extLst>
-          </p:cNvPr>
-          <p:cNvPicPr>
-            <a:picLocks noChangeAspect="1"/>
-          </p:cNvPicPr>
-          <p:nvPr/>
-        </p:nvPicPr>
-        <p:blipFill>
-          <a:blip r:embed="rId3" cstate="print">
-            <a:duotone>
-              <a:srgbClr val="70AD47">
-                <a:shade val="45000"/>
-                <a:satMod val="135000"/>
-              </a:srgbClr>
-              <a:prstClr val="white"/>
-            </a:duotone>
-            <a:extLst>
-              <a:ext uri="{28A0092B-C50C-407E-A947-70E740481C1C}">
-                <a14:useLocalDpi xmlns:a14="http://schemas.microsoft.com/office/drawing/2010/main" val="0"/>
-              </a:ext>
-            </a:extLst>
-          </a:blip>
-          <a:stretch>
-            <a:fillRect/>
-          </a:stretch>
-        </p:blipFill>
-        <p:spPr>
-          <a:xfrm>
-            <a:off x="3582816" y="1385805"/>
-            <a:ext cx="985236" cy="812447"/>
-          </a:xfrm>
-          <a:prstGeom prst="rect">
-            <a:avLst/>
-          </a:prstGeom>
-        </p:spPr>
-      </p:pic>
-      <p:pic>
-        <p:nvPicPr>
-          <p:cNvPr id="41" name="Picture 40">
-            <a:extLst>
-              <a:ext uri="{FF2B5EF4-FFF2-40B4-BE49-F238E27FC236}">
-                <a16:creationId xmlns:a16="http://schemas.microsoft.com/office/drawing/2014/main" id="{713F72F5-F310-EF4C-920D-D6EEFF364474}"/>
-              </a:ext>
-            </a:extLst>
-          </p:cNvPr>
-          <p:cNvPicPr>
-            <a:picLocks noChangeAspect="1"/>
-          </p:cNvPicPr>
-          <p:nvPr/>
-        </p:nvPicPr>
-        <p:blipFill>
-          <a:blip r:embed="rId4" cstate="print">
-            <a:duotone>
-              <a:prstClr val="black"/>
-              <a:srgbClr val="70AD47">
-                <a:tint val="45000"/>
-                <a:satMod val="400000"/>
-              </a:srgbClr>
-            </a:duotone>
-            <a:extLst>
-              <a:ext uri="{28A0092B-C50C-407E-A947-70E740481C1C}">
-                <a14:useLocalDpi xmlns:a14="http://schemas.microsoft.com/office/drawing/2010/main" val="0"/>
-              </a:ext>
-            </a:extLst>
-          </a:blip>
-          <a:stretch>
-            <a:fillRect/>
-          </a:stretch>
-        </p:blipFill>
-        <p:spPr>
-          <a:xfrm>
-            <a:off x="5405658" y="1366461"/>
-            <a:ext cx="750083" cy="812447"/>
-          </a:xfrm>
-          <a:prstGeom prst="rect">
-            <a:avLst/>
-          </a:prstGeom>
-        </p:spPr>
-      </p:pic>
-      <p:pic>
-        <p:nvPicPr>
-          <p:cNvPr id="42" name="Picture 41">
-            <a:extLst>
-              <a:ext uri="{FF2B5EF4-FFF2-40B4-BE49-F238E27FC236}">
-                <a16:creationId xmlns:a16="http://schemas.microsoft.com/office/drawing/2014/main" id="{9001F5AA-0051-464F-B93A-E4150DC8652B}"/>
-              </a:ext>
-            </a:extLst>
-          </p:cNvPr>
-          <p:cNvPicPr>
-            <a:picLocks noChangeAspect="1"/>
-          </p:cNvPicPr>
-          <p:nvPr/>
-        </p:nvPicPr>
-        <p:blipFill rotWithShape="1">
-          <a:blip r:embed="rId5" cstate="print">
-            <a:duotone>
-              <a:srgbClr val="70AD47">
-                <a:shade val="45000"/>
-                <a:satMod val="135000"/>
-              </a:srgbClr>
-              <a:prstClr val="white"/>
-            </a:duotone>
-            <a:extLst>
-              <a:ext uri="{28A0092B-C50C-407E-A947-70E740481C1C}">
-                <a14:useLocalDpi xmlns:a14="http://schemas.microsoft.com/office/drawing/2010/main" val="0"/>
-              </a:ext>
-            </a:extLst>
-          </a:blip>
-          <a:srcRect t="26890" r="60350"/>
-          <a:stretch/>
-        </p:blipFill>
-        <p:spPr>
-          <a:xfrm>
-            <a:off x="2169072" y="1385805"/>
-            <a:ext cx="848122" cy="812447"/>
-          </a:xfrm>
-          <a:prstGeom prst="rect">
-            <a:avLst/>
-          </a:prstGeom>
-        </p:spPr>
-      </p:pic>
-      <p:sp>
-        <p:nvSpPr>
-          <p:cNvPr id="43" name="Rectangle 42">
-            <a:extLst>
-              <a:ext uri="{FF2B5EF4-FFF2-40B4-BE49-F238E27FC236}">
-                <a16:creationId xmlns:a16="http://schemas.microsoft.com/office/drawing/2014/main" id="{F658059A-50D7-3942-A4EA-DC8C78A18F59}"/>
-              </a:ext>
-            </a:extLst>
-          </p:cNvPr>
-          <p:cNvSpPr/>
-          <p:nvPr/>
-        </p:nvSpPr>
-        <p:spPr>
-          <a:xfrm>
-            <a:off x="442589" y="863799"/>
-            <a:ext cx="6404775" cy="424246"/>
-          </a:xfrm>
-          <a:prstGeom prst="rect">
-            <a:avLst/>
-          </a:prstGeom>
-          <a:solidFill>
-            <a:srgbClr val="70AD47">
-              <a:lumMod val="75000"/>
-            </a:srgbClr>
-          </a:solidFill>
-          <a:ln w="12700" cap="flat" cmpd="sng" algn="ctr">
-            <a:solidFill>
-              <a:srgbClr val="5B9BD5">
-                <a:shade val="50000"/>
-              </a:srgbClr>
-            </a:solidFill>
-            <a:prstDash val="solid"/>
-            <a:miter lim="800000"/>
-          </a:ln>
-          <a:effectLst/>
-        </p:spPr>
-        <p:txBody>
-          <a:bodyPr rtlCol="0" anchor="ctr"/>
-          <a:lstStyle/>
-          <a:p>
-            <a:pPr algn="ctr" defTabSz="1219170">
-              <a:defRPr/>
-            </a:pPr>
-            <a:r>
-              <a:rPr lang="en-US" sz="1867" kern="0" dirty="0">
-                <a:solidFill>
-                  <a:prstClr val="white"/>
-                </a:solidFill>
-                <a:latin typeface="Calibri" panose="020F0502020204030204"/>
-              </a:rPr>
-              <a:t>VDMS API</a:t>
-            </a:r>
-          </a:p>
-        </p:txBody>
-      </p:sp>
-      <p:sp>
-        <p:nvSpPr>
-          <p:cNvPr id="44" name="Rectangle 43">
-            <a:extLst>
-              <a:ext uri="{FF2B5EF4-FFF2-40B4-BE49-F238E27FC236}">
-                <a16:creationId xmlns:a16="http://schemas.microsoft.com/office/drawing/2014/main" id="{E3CD40A2-5F2D-B141-A6E0-581129D7DF59}"/>
-              </a:ext>
-            </a:extLst>
-          </p:cNvPr>
-          <p:cNvSpPr/>
-          <p:nvPr/>
-        </p:nvSpPr>
-        <p:spPr>
-          <a:xfrm>
-            <a:off x="456660" y="2286322"/>
-            <a:ext cx="4327546" cy="336709"/>
-          </a:xfrm>
-          <a:prstGeom prst="rect">
-            <a:avLst/>
-          </a:prstGeom>
-          <a:solidFill>
-            <a:srgbClr val="70AD47">
-              <a:lumMod val="75000"/>
-            </a:srgbClr>
-          </a:solidFill>
-          <a:ln w="12700" cap="flat" cmpd="sng" algn="ctr">
-            <a:solidFill>
-              <a:srgbClr val="5B9BD5">
-                <a:shade val="50000"/>
-              </a:srgbClr>
-            </a:solidFill>
-            <a:prstDash val="solid"/>
-            <a:miter lim="800000"/>
-          </a:ln>
-          <a:effectLst/>
-        </p:spPr>
-        <p:txBody>
-          <a:bodyPr rtlCol="0" anchor="ctr"/>
-          <a:lstStyle/>
-          <a:p>
-            <a:pPr algn="ctr" defTabSz="1219170">
-              <a:defRPr/>
-            </a:pPr>
-            <a:r>
-              <a:rPr lang="en-US" sz="1867" kern="0" dirty="0">
-                <a:solidFill>
-                  <a:prstClr val="white"/>
-                </a:solidFill>
-                <a:latin typeface="Calibri" panose="020F0502020204030204"/>
-              </a:rPr>
-              <a:t>Visual Compute Module</a:t>
-            </a:r>
-          </a:p>
-        </p:txBody>
-      </p:sp>
-      <p:sp>
-        <p:nvSpPr>
-          <p:cNvPr id="21" name="Rectangle 20">
-            <a:extLst>
-              <a:ext uri="{FF2B5EF4-FFF2-40B4-BE49-F238E27FC236}">
-                <a16:creationId xmlns:a16="http://schemas.microsoft.com/office/drawing/2014/main" id="{00F6447A-1318-D04B-AB3A-9A9ABACD397A}"/>
-              </a:ext>
-            </a:extLst>
-          </p:cNvPr>
-          <p:cNvSpPr/>
-          <p:nvPr/>
-        </p:nvSpPr>
-        <p:spPr>
-          <a:xfrm>
-            <a:off x="442589" y="3101238"/>
-            <a:ext cx="4341617" cy="649958"/>
-          </a:xfrm>
-          <a:prstGeom prst="rect">
-            <a:avLst/>
-          </a:prstGeom>
-          <a:solidFill>
-            <a:srgbClr val="70AD47">
-              <a:lumMod val="75000"/>
-            </a:srgbClr>
-          </a:solidFill>
-          <a:ln w="12700" cap="flat" cmpd="sng" algn="ctr">
-            <a:solidFill>
-              <a:srgbClr val="5B9BD5">
-                <a:shade val="50000"/>
-              </a:srgbClr>
-            </a:solidFill>
-            <a:prstDash val="solid"/>
-            <a:miter lim="800000"/>
-          </a:ln>
-          <a:effectLst/>
-        </p:spPr>
-        <p:txBody>
-          <a:bodyPr lIns="0" rIns="0" rtlCol="0" anchor="ctr"/>
-          <a:lstStyle/>
-          <a:p>
-            <a:pPr algn="ctr" defTabSz="1219170">
-              <a:defRPr/>
-            </a:pPr>
-            <a:r>
-              <a:rPr lang="en-US" sz="1867" kern="0" dirty="0">
-                <a:solidFill>
-                  <a:prstClr val="white"/>
-                </a:solidFill>
-                <a:latin typeface="Calibri" panose="020F0502020204030204"/>
-              </a:rPr>
-              <a:t>File System (Local or Distributed)</a:t>
-            </a:r>
-          </a:p>
-        </p:txBody>
-      </p:sp>
-      <p:sp>
-        <p:nvSpPr>
-          <p:cNvPr id="22" name="Rectangle 21">
-            <a:extLst>
-              <a:ext uri="{FF2B5EF4-FFF2-40B4-BE49-F238E27FC236}">
-                <a16:creationId xmlns:a16="http://schemas.microsoft.com/office/drawing/2014/main" id="{94C55277-20C1-ED42-B443-B9A54AB6A85A}"/>
-              </a:ext>
-            </a:extLst>
-          </p:cNvPr>
-          <p:cNvSpPr/>
-          <p:nvPr/>
-        </p:nvSpPr>
-        <p:spPr>
-          <a:xfrm>
-            <a:off x="4845983" y="3101238"/>
-            <a:ext cx="2033805" cy="649958"/>
-          </a:xfrm>
-          <a:prstGeom prst="rect">
-            <a:avLst/>
-          </a:prstGeom>
-          <a:noFill/>
-          <a:ln w="12700" cap="flat" cmpd="sng" algn="ctr">
-            <a:solidFill>
-              <a:srgbClr val="5B9BD5">
-                <a:shade val="50000"/>
-              </a:srgbClr>
-            </a:solidFill>
-            <a:prstDash val="solid"/>
-            <a:miter lim="800000"/>
-          </a:ln>
-          <a:effectLst/>
-        </p:spPr>
-        <p:txBody>
-          <a:bodyPr lIns="0" rIns="0" rtlCol="0" anchor="ctr"/>
-          <a:lstStyle/>
-          <a:p>
-            <a:pPr algn="ctr" defTabSz="1219170">
-              <a:defRPr/>
-            </a:pPr>
-            <a:endParaRPr lang="en-US" sz="1867" kern="0" dirty="0">
-              <a:solidFill>
-                <a:prstClr val="white"/>
-              </a:solidFill>
-              <a:latin typeface="Calibri" panose="020F0502020204030204"/>
-            </a:endParaRPr>
-          </a:p>
-        </p:txBody>
-      </p:sp>
-      <p:sp>
-        <p:nvSpPr>
-          <p:cNvPr id="2" name="Rectangle 1">
-            <a:extLst>
-              <a:ext uri="{FF2B5EF4-FFF2-40B4-BE49-F238E27FC236}">
-                <a16:creationId xmlns:a16="http://schemas.microsoft.com/office/drawing/2014/main" id="{2F47D08F-1A14-F848-9039-CE66F6A7FB68}"/>
-              </a:ext>
-            </a:extLst>
-          </p:cNvPr>
-          <p:cNvSpPr/>
-          <p:nvPr/>
-        </p:nvSpPr>
-        <p:spPr>
-          <a:xfrm>
-            <a:off x="3114321" y="4060309"/>
-            <a:ext cx="861133" cy="369332"/>
-          </a:xfrm>
-          <a:prstGeom prst="rect">
-            <a:avLst/>
-          </a:prstGeom>
-        </p:spPr>
-        <p:txBody>
-          <a:bodyPr wrap="none">
-            <a:spAutoFit/>
-          </a:bodyPr>
-          <a:lstStyle/>
-          <a:p>
-            <a:r>
-              <a:rPr lang="en-US" kern="0" dirty="0">
-                <a:solidFill>
-                  <a:prstClr val="white"/>
-                </a:solidFill>
-              </a:rPr>
-              <a:t>System</a:t>
-            </a:r>
-            <a:endParaRPr lang="en-US" dirty="0"/>
-          </a:p>
-        </p:txBody>
-      </p:sp>
-      <p:pic>
-        <p:nvPicPr>
-          <p:cNvPr id="4" name="Picture 3">
-            <a:extLst>
-              <a:ext uri="{FF2B5EF4-FFF2-40B4-BE49-F238E27FC236}">
-                <a16:creationId xmlns:a16="http://schemas.microsoft.com/office/drawing/2014/main" id="{25513212-BEF3-4140-9245-9CF7F0B1F37E}"/>
-              </a:ext>
-            </a:extLst>
-          </p:cNvPr>
-          <p:cNvPicPr>
-            <a:picLocks noChangeAspect="1"/>
-          </p:cNvPicPr>
-          <p:nvPr/>
-        </p:nvPicPr>
-        <p:blipFill>
-          <a:blip r:embed="rId6"/>
-          <a:stretch>
-            <a:fillRect/>
-          </a:stretch>
-        </p:blipFill>
-        <p:spPr>
-          <a:xfrm>
-            <a:off x="5046900" y="3225658"/>
-            <a:ext cx="1631970" cy="378243"/>
-          </a:xfrm>
-          <a:prstGeom prst="rect">
-            <a:avLst/>
-          </a:prstGeom>
-        </p:spPr>
-      </p:pic>
-    </p:spTree>
-    <p:extLst>
-      <p:ext uri="{BB962C8B-B14F-4D97-AF65-F5344CB8AC3E}">
-        <p14:creationId xmlns:p14="http://schemas.microsoft.com/office/powerpoint/2010/main" val="3505215964"/>
-      </p:ext>
-    </p:extLst>
-  </p:cSld>
-  <p:clrMapOvr>
-    <a:masterClrMapping/>
-  </p:clrMapOvr>
-</p:sld>
-</file>
-
 <file path=ppt/theme/theme1.xml><?xml version="1.0" encoding="utf-8"?>
 <a:theme xmlns:a="http://schemas.openxmlformats.org/drawingml/2006/main" name="Office Theme">
   <a:themeElements>
